--- a/Poster Final/poster celia.pptx
+++ b/Poster Final/poster celia.pptx
@@ -208,7 +208,7 @@
           <a:p>
             <a:fld id="{7D139829-6520-4C76-8908-C56487D32810}" type="datetimeFigureOut">
               <a:rPr lang="fr-FR" smtClean="0"/>
-              <a:t>11/03/2022</a:t>
+              <a:t>15/03/2022</a:t>
             </a:fld>
             <a:endParaRPr lang="fr-FR"/>
           </a:p>
@@ -606,7 +606,7 @@
           <a:p>
             <a:fld id="{6811F716-C52A-A44F-BDA6-00D610151B42}" type="datetimeFigureOut">
               <a:rPr lang="en-US" smtClean="0"/>
-              <a:t>3/11/2022</a:t>
+              <a:t>3/15/2022</a:t>
             </a:fld>
             <a:endParaRPr lang="en-US"/>
           </a:p>
@@ -776,7 +776,7 @@
           <a:p>
             <a:fld id="{6811F716-C52A-A44F-BDA6-00D610151B42}" type="datetimeFigureOut">
               <a:rPr lang="en-US" smtClean="0"/>
-              <a:t>3/11/2022</a:t>
+              <a:t>3/15/2022</a:t>
             </a:fld>
             <a:endParaRPr lang="en-US"/>
           </a:p>
@@ -956,7 +956,7 @@
           <a:p>
             <a:fld id="{6811F716-C52A-A44F-BDA6-00D610151B42}" type="datetimeFigureOut">
               <a:rPr lang="en-US" smtClean="0"/>
-              <a:t>3/11/2022</a:t>
+              <a:t>3/15/2022</a:t>
             </a:fld>
             <a:endParaRPr lang="en-US"/>
           </a:p>
@@ -1126,7 +1126,7 @@
           <a:p>
             <a:fld id="{6811F716-C52A-A44F-BDA6-00D610151B42}" type="datetimeFigureOut">
               <a:rPr lang="en-US" smtClean="0"/>
-              <a:t>3/11/2022</a:t>
+              <a:t>3/15/2022</a:t>
             </a:fld>
             <a:endParaRPr lang="en-US"/>
           </a:p>
@@ -1370,7 +1370,7 @@
           <a:p>
             <a:fld id="{6811F716-C52A-A44F-BDA6-00D610151B42}" type="datetimeFigureOut">
               <a:rPr lang="en-US" smtClean="0"/>
-              <a:t>3/11/2022</a:t>
+              <a:t>3/15/2022</a:t>
             </a:fld>
             <a:endParaRPr lang="en-US"/>
           </a:p>
@@ -1602,7 +1602,7 @@
           <a:p>
             <a:fld id="{6811F716-C52A-A44F-BDA6-00D610151B42}" type="datetimeFigureOut">
               <a:rPr lang="en-US" smtClean="0"/>
-              <a:t>3/11/2022</a:t>
+              <a:t>3/15/2022</a:t>
             </a:fld>
             <a:endParaRPr lang="en-US"/>
           </a:p>
@@ -1969,7 +1969,7 @@
           <a:p>
             <a:fld id="{6811F716-C52A-A44F-BDA6-00D610151B42}" type="datetimeFigureOut">
               <a:rPr lang="en-US" smtClean="0"/>
-              <a:t>3/11/2022</a:t>
+              <a:t>3/15/2022</a:t>
             </a:fld>
             <a:endParaRPr lang="en-US"/>
           </a:p>
@@ -2087,7 +2087,7 @@
           <a:p>
             <a:fld id="{6811F716-C52A-A44F-BDA6-00D610151B42}" type="datetimeFigureOut">
               <a:rPr lang="en-US" smtClean="0"/>
-              <a:t>3/11/2022</a:t>
+              <a:t>3/15/2022</a:t>
             </a:fld>
             <a:endParaRPr lang="en-US"/>
           </a:p>
@@ -2182,7 +2182,7 @@
           <a:p>
             <a:fld id="{6811F716-C52A-A44F-BDA6-00D610151B42}" type="datetimeFigureOut">
               <a:rPr lang="en-US" smtClean="0"/>
-              <a:t>3/11/2022</a:t>
+              <a:t>3/15/2022</a:t>
             </a:fld>
             <a:endParaRPr lang="en-US"/>
           </a:p>
@@ -2459,7 +2459,7 @@
           <a:p>
             <a:fld id="{6811F716-C52A-A44F-BDA6-00D610151B42}" type="datetimeFigureOut">
               <a:rPr lang="en-US" smtClean="0"/>
-              <a:t>3/11/2022</a:t>
+              <a:t>3/15/2022</a:t>
             </a:fld>
             <a:endParaRPr lang="en-US"/>
           </a:p>
@@ -2716,7 +2716,7 @@
           <a:p>
             <a:fld id="{6811F716-C52A-A44F-BDA6-00D610151B42}" type="datetimeFigureOut">
               <a:rPr lang="en-US" smtClean="0"/>
-              <a:t>3/11/2022</a:t>
+              <a:t>3/15/2022</a:t>
             </a:fld>
             <a:endParaRPr lang="en-US"/>
           </a:p>
@@ -2929,7 +2929,7 @@
           <a:p>
             <a:fld id="{6811F716-C52A-A44F-BDA6-00D610151B42}" type="datetimeFigureOut">
               <a:rPr lang="en-US" smtClean="0"/>
-              <a:t>3/11/2022</a:t>
+              <a:t>3/15/2022</a:t>
             </a:fld>
             <a:endParaRPr lang="en-US"/>
           </a:p>
@@ -3334,36 +3334,6 @@
           <a:chExt cx="0" cy="0"/>
         </a:xfrm>
       </p:grpSpPr>
-      <p:pic>
-        <p:nvPicPr>
-          <p:cNvPr id="10" name="Image 9">
-            <a:extLst>
-              <a:ext uri="{FF2B5EF4-FFF2-40B4-BE49-F238E27FC236}">
-                <a16:creationId xmlns:a16="http://schemas.microsoft.com/office/drawing/2014/main" id="{6995786E-6C96-49D3-8B18-67049594128B}"/>
-              </a:ext>
-            </a:extLst>
-          </p:cNvPr>
-          <p:cNvPicPr>
-            <a:picLocks noChangeAspect="1"/>
-          </p:cNvPicPr>
-          <p:nvPr/>
-        </p:nvPicPr>
-        <p:blipFill>
-          <a:blip r:embed="rId2"/>
-          <a:stretch>
-            <a:fillRect/>
-          </a:stretch>
-        </p:blipFill>
-        <p:spPr>
-          <a:xfrm>
-            <a:off x="7508028" y="3818979"/>
-            <a:ext cx="4584214" cy="3881300"/>
-          </a:xfrm>
-          <a:prstGeom prst="rect">
-            <a:avLst/>
-          </a:prstGeom>
-        </p:spPr>
-      </p:pic>
       <p:sp>
         <p:nvSpPr>
           <p:cNvPr id="4" name="Rectangle 3"/>
@@ -3613,8 +3583,8 @@
         </p:nvSpPr>
         <p:spPr>
           <a:xfrm>
-            <a:off x="12966639" y="2524456"/>
-            <a:ext cx="6241064" cy="6886244"/>
+            <a:off x="7732367" y="2519808"/>
+            <a:ext cx="6982661" cy="5418969"/>
           </a:xfrm>
           <a:prstGeom prst="rect">
             <a:avLst/>
@@ -3660,8 +3630,8 @@
         </p:nvSpPr>
         <p:spPr>
           <a:xfrm>
-            <a:off x="625642" y="2524455"/>
-            <a:ext cx="11880414" cy="6886245"/>
+            <a:off x="625642" y="2524454"/>
+            <a:ext cx="6684147" cy="17746185"/>
           </a:xfrm>
           <a:prstGeom prst="rect">
             <a:avLst/>
@@ -3707,8 +3677,8 @@
         </p:nvSpPr>
         <p:spPr>
           <a:xfrm>
-            <a:off x="19700270" y="2502034"/>
-            <a:ext cx="9905230" cy="10000790"/>
+            <a:off x="7753006" y="8599887"/>
+            <a:ext cx="6962023" cy="11670752"/>
           </a:xfrm>
           <a:prstGeom prst="rect">
             <a:avLst/>
@@ -3754,8 +3724,8 @@
         </p:nvSpPr>
         <p:spPr>
           <a:xfrm>
-            <a:off x="625642" y="10093172"/>
-            <a:ext cx="18582061" cy="10199237"/>
+            <a:off x="15047215" y="2458362"/>
+            <a:ext cx="14710889" cy="12769546"/>
           </a:xfrm>
           <a:prstGeom prst="rect">
             <a:avLst/>
@@ -3801,8 +3771,8 @@
         </p:nvSpPr>
         <p:spPr>
           <a:xfrm>
-            <a:off x="19668286" y="13285388"/>
-            <a:ext cx="9981286" cy="4963318"/>
+            <a:off x="15047215" y="15611768"/>
+            <a:ext cx="14602357" cy="3029108"/>
           </a:xfrm>
           <a:prstGeom prst="rect">
             <a:avLst/>
@@ -3848,8 +3818,8 @@
         </p:nvSpPr>
         <p:spPr>
           <a:xfrm>
-            <a:off x="19668285" y="18988350"/>
-            <a:ext cx="9905229" cy="1282290"/>
+            <a:off x="15137606" y="19185352"/>
+            <a:ext cx="14435908" cy="1058799"/>
           </a:xfrm>
           <a:prstGeom prst="rect">
             <a:avLst/>
@@ -3895,7 +3865,7 @@
         </p:nvSpPr>
         <p:spPr>
           <a:xfrm>
-            <a:off x="4442452" y="2186213"/>
+            <a:off x="1929269" y="2186213"/>
             <a:ext cx="3666037" cy="692177"/>
           </a:xfrm>
           <a:prstGeom prst="rect">
@@ -3935,7 +3905,7 @@
         </p:nvSpPr>
         <p:spPr>
           <a:xfrm>
-            <a:off x="23675829" y="2240788"/>
+            <a:off x="9504148" y="8338641"/>
             <a:ext cx="2505893" cy="692177"/>
           </a:xfrm>
           <a:prstGeom prst="rect">
@@ -3975,7 +3945,7 @@
         </p:nvSpPr>
         <p:spPr>
           <a:xfrm>
-            <a:off x="14819958" y="2207573"/>
+            <a:off x="9585687" y="2202925"/>
             <a:ext cx="2534425" cy="692177"/>
           </a:xfrm>
           <a:prstGeom prst="rect">
@@ -4015,7 +3985,7 @@
         </p:nvSpPr>
         <p:spPr>
           <a:xfrm>
-            <a:off x="23633909" y="12987108"/>
+            <a:off x="20091880" y="15320668"/>
             <a:ext cx="2946275" cy="692177"/>
           </a:xfrm>
           <a:prstGeom prst="rect">
@@ -4055,7 +4025,7 @@
         </p:nvSpPr>
         <p:spPr>
           <a:xfrm>
-            <a:off x="23328000" y="18505153"/>
+            <a:off x="19732000" y="18835717"/>
             <a:ext cx="3666037" cy="692177"/>
           </a:xfrm>
           <a:prstGeom prst="rect">
@@ -4095,7 +4065,7 @@
         </p:nvSpPr>
         <p:spPr>
           <a:xfrm>
-            <a:off x="8733644" y="9749249"/>
+            <a:off x="21149712" y="2173719"/>
             <a:ext cx="2505893" cy="692177"/>
           </a:xfrm>
           <a:prstGeom prst="rect">
@@ -4127,44 +4097,6 @@
           </a:p>
         </p:txBody>
       </p:sp>
-      <p:cxnSp>
-        <p:nvCxnSpPr>
-          <p:cNvPr id="106" name="Straight Connector 105"/>
-          <p:cNvCxnSpPr>
-            <a:cxnSpLocks/>
-          </p:cNvCxnSpPr>
-          <p:nvPr/>
-        </p:nvCxnSpPr>
-        <p:spPr>
-          <a:xfrm flipV="1">
-            <a:off x="7349758" y="11317110"/>
-            <a:ext cx="0" cy="6570840"/>
-          </a:xfrm>
-          <a:prstGeom prst="line">
-            <a:avLst/>
-          </a:prstGeom>
-          <a:ln>
-            <a:solidFill>
-              <a:srgbClr val="BAC9CD"/>
-            </a:solidFill>
-          </a:ln>
-          <a:effectLst/>
-        </p:spPr>
-        <p:style>
-          <a:lnRef idx="1">
-            <a:schemeClr val="accent1"/>
-          </a:lnRef>
-          <a:fillRef idx="0">
-            <a:schemeClr val="accent1"/>
-          </a:fillRef>
-          <a:effectRef idx="0">
-            <a:schemeClr val="accent1"/>
-          </a:effectRef>
-          <a:fontRef idx="minor">
-            <a:schemeClr val="tx1"/>
-          </a:fontRef>
-        </p:style>
-      </p:cxnSp>
       <p:sp>
         <p:nvSpPr>
           <p:cNvPr id="110" name="TextBox 109"/>
@@ -4173,8 +4105,8 @@
         </p:nvSpPr>
         <p:spPr>
           <a:xfrm>
-            <a:off x="7940308" y="7933322"/>
-            <a:ext cx="3484828" cy="492122"/>
+            <a:off x="1987098" y="15857816"/>
+            <a:ext cx="3484828" cy="461665"/>
           </a:xfrm>
           <a:prstGeom prst="rect">
             <a:avLst/>
@@ -4189,7 +4121,7 @@
           <a:p>
             <a:pPr algn="just"/>
             <a:r>
-              <a:rPr lang="en-US" sz="2598" dirty="0">
+              <a:rPr lang="en-US" sz="2400" dirty="0">
                 <a:solidFill>
                   <a:schemeClr val="tx1">
                     <a:lumMod val="95000"/>
@@ -4213,8 +4145,8 @@
         </p:nvSpPr>
         <p:spPr>
           <a:xfrm>
-            <a:off x="16105059" y="15524165"/>
-            <a:ext cx="2181994" cy="891911"/>
+            <a:off x="26514797" y="11061488"/>
+            <a:ext cx="2181994" cy="830997"/>
           </a:xfrm>
           <a:prstGeom prst="rect">
             <a:avLst/>
@@ -4228,7 +4160,7 @@
           <a:lstStyle/>
           <a:p>
             <a:r>
-              <a:rPr lang="en-US" sz="2598" dirty="0">
+              <a:rPr lang="en-US" sz="2400" dirty="0">
                 <a:solidFill>
                   <a:schemeClr val="tx1">
                     <a:lumMod val="95000"/>
@@ -4252,7 +4184,7 @@
         </p:nvSpPr>
         <p:spPr>
           <a:xfrm>
-            <a:off x="15636680" y="15515272"/>
+            <a:off x="26046418" y="11052595"/>
             <a:ext cx="1497965" cy="492122"/>
           </a:xfrm>
           <a:prstGeom prst="rect">
@@ -4288,8 +4220,8 @@
         </p:nvSpPr>
         <p:spPr>
           <a:xfrm>
-            <a:off x="20068673" y="19253087"/>
-            <a:ext cx="9160616" cy="892552"/>
+            <a:off x="15512143" y="19450089"/>
+            <a:ext cx="13717146" cy="461665"/>
           </a:xfrm>
           <a:prstGeom prst="rect">
             <a:avLst/>
@@ -4307,7 +4239,7 @@
               <a:buAutoNum type="arabicPeriod"/>
             </a:pPr>
             <a:r>
-              <a:rPr lang="en-US" sz="2600" dirty="0" err="1">
+              <a:rPr lang="en-US" sz="2400" dirty="0" err="1">
                 <a:latin typeface="Avenir Book" charset="0"/>
                 <a:ea typeface="Avenir Book" charset="0"/>
                 <a:cs typeface="Avenir Book" charset="0"/>
@@ -4315,7 +4247,7 @@
               <a:t>Ebrahimpoor</a:t>
             </a:r>
             <a:r>
-              <a:rPr lang="en-US" sz="2600" dirty="0">
+              <a:rPr lang="en-US" sz="2400" dirty="0">
                 <a:latin typeface="Avenir Book" charset="0"/>
                 <a:ea typeface="Avenir Book" charset="0"/>
                 <a:cs typeface="Avenir Book" charset="0"/>
@@ -4333,7 +4265,7 @@
         </p:nvSpPr>
         <p:spPr>
           <a:xfrm rot="16200000" flipV="1">
-            <a:off x="7420827" y="7973411"/>
+            <a:off x="1467617" y="15927805"/>
             <a:ext cx="1434085" cy="492122"/>
           </a:xfrm>
           <a:prstGeom prst="rect">
@@ -4376,14 +4308,14 @@
           <p:nvPr/>
         </p:nvPicPr>
         <p:blipFill>
-          <a:blip r:embed="rId3"/>
+          <a:blip r:embed="rId2"/>
           <a:stretch>
             <a:fillRect/>
           </a:stretch>
         </p:blipFill>
         <p:spPr>
           <a:xfrm>
-            <a:off x="8499319" y="15007514"/>
+            <a:off x="18923589" y="10378745"/>
             <a:ext cx="7185847" cy="3542622"/>
           </a:xfrm>
           <a:prstGeom prst="rect">
@@ -4406,7 +4338,7 @@
           <p:nvPr/>
         </p:nvPicPr>
         <p:blipFill rotWithShape="1">
-          <a:blip r:embed="rId4">
+          <a:blip r:embed="rId3">
             <a:duotone>
               <a:prstClr val="black"/>
               <a:schemeClr val="bg1">
@@ -4417,7 +4349,7 @@
             <a:extLst>
               <a:ext uri="{BEBA8EAE-BF5A-486C-A8C5-ECC9F3942E4B}">
                 <a14:imgProps xmlns:a14="http://schemas.microsoft.com/office/drawing/2010/main">
-                  <a14:imgLayer r:embed="rId5">
+                  <a14:imgLayer r:embed="rId4">
                     <a14:imgEffect>
                       <a14:sharpenSoften amount="100000"/>
                     </a14:imgEffect>
@@ -4448,368 +4380,6 @@
       </p:pic>
       <p:sp>
         <p:nvSpPr>
-          <p:cNvPr id="33" name="ZoneTexte 32">
-            <a:extLst>
-              <a:ext uri="{FF2B5EF4-FFF2-40B4-BE49-F238E27FC236}">
-                <a16:creationId xmlns:a16="http://schemas.microsoft.com/office/drawing/2014/main" id="{3EBB6C1E-C081-4BC4-8BA4-2166F204C2E0}"/>
-              </a:ext>
-            </a:extLst>
-          </p:cNvPr>
-          <p:cNvSpPr txBox="1"/>
-          <p:nvPr/>
-        </p:nvSpPr>
-        <p:spPr>
-          <a:xfrm>
-            <a:off x="956368" y="3003725"/>
-            <a:ext cx="6091078" cy="3693319"/>
-          </a:xfrm>
-          <a:prstGeom prst="rect">
-            <a:avLst/>
-          </a:prstGeom>
-          <a:noFill/>
-        </p:spPr>
-        <p:txBody>
-          <a:bodyPr wrap="square" numCol="1">
-            <a:spAutoFit/>
-          </a:bodyPr>
-          <a:lstStyle/>
-          <a:p>
-            <a:pPr algn="just"/>
-            <a:r>
-              <a:rPr lang="fr-FR" sz="2600" dirty="0">
-                <a:latin typeface="Avenir Book"/>
-              </a:rPr>
-              <a:t>The </a:t>
-            </a:r>
-            <a:r>
-              <a:rPr lang="fr-FR" sz="2600" dirty="0" err="1">
-                <a:latin typeface="Avenir Book"/>
-              </a:rPr>
-              <a:t>most</a:t>
-            </a:r>
-            <a:r>
-              <a:rPr lang="fr-FR" sz="2600" dirty="0">
-                <a:latin typeface="Avenir Book"/>
-              </a:rPr>
-              <a:t> </a:t>
-            </a:r>
-            <a:r>
-              <a:rPr lang="fr-FR" sz="2600" dirty="0" err="1">
-                <a:latin typeface="Avenir Book"/>
-              </a:rPr>
-              <a:t>popular</a:t>
-            </a:r>
-            <a:r>
-              <a:rPr lang="fr-FR" sz="2600" dirty="0">
-                <a:latin typeface="Avenir Book"/>
-              </a:rPr>
-              <a:t> </a:t>
-            </a:r>
-            <a:r>
-              <a:rPr lang="fr-FR" sz="2600" dirty="0" err="1">
-                <a:latin typeface="Avenir Book"/>
-              </a:rPr>
-              <a:t>procedure</a:t>
-            </a:r>
-            <a:r>
-              <a:rPr lang="fr-FR" sz="2600" dirty="0">
-                <a:latin typeface="Avenir Book"/>
-              </a:rPr>
-              <a:t> for checking the False Discovery Rate (FDR) </a:t>
-            </a:r>
-            <a:r>
-              <a:rPr lang="fr-FR" sz="2600" dirty="0" err="1">
-                <a:latin typeface="Avenir Book"/>
-              </a:rPr>
-              <a:t>is</a:t>
-            </a:r>
-            <a:r>
-              <a:rPr lang="fr-FR" sz="2600" dirty="0">
-                <a:latin typeface="Avenir Book"/>
-              </a:rPr>
-              <a:t> the </a:t>
-            </a:r>
-            <a:r>
-              <a:rPr lang="fr-FR" sz="2600" dirty="0" err="1">
-                <a:latin typeface="Avenir Book"/>
-              </a:rPr>
-              <a:t>Benjamini-Hochberg</a:t>
-            </a:r>
-            <a:r>
-              <a:rPr lang="fr-FR" sz="2600" dirty="0">
-                <a:latin typeface="Avenir Book"/>
-              </a:rPr>
-              <a:t> </a:t>
-            </a:r>
-            <a:r>
-              <a:rPr lang="fr-FR" sz="2600" dirty="0" err="1">
-                <a:latin typeface="Avenir Book"/>
-              </a:rPr>
-              <a:t>procedure</a:t>
-            </a:r>
-            <a:r>
-              <a:rPr lang="fr-FR" sz="2600" dirty="0">
-                <a:latin typeface="Avenir Book"/>
-              </a:rPr>
-              <a:t> </a:t>
-            </a:r>
-            <a:r>
-              <a:rPr lang="fr-FR" sz="2600" dirty="0" err="1">
-                <a:latin typeface="Avenir Book"/>
-              </a:rPr>
-              <a:t>using</a:t>
-            </a:r>
-            <a:r>
-              <a:rPr lang="fr-FR" sz="2600" dirty="0">
-                <a:latin typeface="Avenir Book"/>
-              </a:rPr>
-              <a:t> </a:t>
-            </a:r>
-            <a:r>
-              <a:rPr lang="fr-FR" sz="2600" dirty="0" err="1">
-                <a:latin typeface="Avenir Book"/>
-              </a:rPr>
-              <a:t>only</a:t>
-            </a:r>
-            <a:r>
-              <a:rPr lang="fr-FR" sz="2600" dirty="0">
-                <a:latin typeface="Avenir Book"/>
-              </a:rPr>
-              <a:t> the </a:t>
-            </a:r>
-            <a:r>
-              <a:rPr lang="fr-FR" sz="2600" dirty="0" err="1">
-                <a:latin typeface="Avenir Book"/>
-              </a:rPr>
-              <a:t>adjusted</a:t>
-            </a:r>
-            <a:r>
-              <a:rPr lang="fr-FR" sz="2600" dirty="0">
-                <a:latin typeface="Avenir Book"/>
-              </a:rPr>
-              <a:t> p-values. </a:t>
-            </a:r>
-            <a:r>
-              <a:rPr lang="fr-FR" sz="2600" dirty="0" err="1">
-                <a:latin typeface="Avenir Book"/>
-              </a:rPr>
-              <a:t>Another</a:t>
-            </a:r>
-            <a:r>
-              <a:rPr lang="fr-FR" sz="2600" dirty="0">
-                <a:latin typeface="Avenir Book"/>
-              </a:rPr>
-              <a:t> </a:t>
-            </a:r>
-            <a:r>
-              <a:rPr lang="fr-FR" sz="2600" dirty="0" err="1">
-                <a:latin typeface="Avenir Book"/>
-              </a:rPr>
-              <a:t>procedure</a:t>
-            </a:r>
-            <a:r>
-              <a:rPr lang="fr-FR" sz="2600" dirty="0">
-                <a:latin typeface="Avenir Book"/>
-              </a:rPr>
-              <a:t> </a:t>
-            </a:r>
-            <a:r>
-              <a:rPr lang="fr-FR" sz="2600" dirty="0" err="1">
-                <a:latin typeface="Avenir Book"/>
-              </a:rPr>
-              <a:t>is</a:t>
-            </a:r>
-            <a:r>
-              <a:rPr lang="fr-FR" sz="2600" dirty="0">
-                <a:latin typeface="Avenir Book"/>
-              </a:rPr>
-              <a:t> the "double </a:t>
-            </a:r>
-            <a:r>
-              <a:rPr lang="fr-FR" sz="2600" dirty="0" err="1">
-                <a:latin typeface="Avenir Book"/>
-              </a:rPr>
-              <a:t>filter</a:t>
-            </a:r>
-            <a:r>
-              <a:rPr lang="fr-FR" sz="2600" dirty="0">
-                <a:latin typeface="Avenir Book"/>
-              </a:rPr>
-              <a:t>" (</a:t>
-            </a:r>
-            <a:r>
-              <a:rPr lang="fr-FR" sz="2600" dirty="0" err="1">
-                <a:latin typeface="Avenir Book"/>
-              </a:rPr>
-              <a:t>Volcano</a:t>
-            </a:r>
-            <a:r>
-              <a:rPr lang="fr-FR" sz="2600" dirty="0">
-                <a:latin typeface="Avenir Book"/>
-              </a:rPr>
-              <a:t> plot). The latter uses </a:t>
-            </a:r>
-            <a:r>
-              <a:rPr lang="fr-FR" sz="2600" dirty="0" err="1">
-                <a:latin typeface="Avenir Book"/>
-              </a:rPr>
-              <a:t>both</a:t>
-            </a:r>
-            <a:r>
-              <a:rPr lang="fr-FR" sz="2600" dirty="0">
-                <a:latin typeface="Avenir Book"/>
-              </a:rPr>
-              <a:t> the </a:t>
-            </a:r>
-            <a:r>
-              <a:rPr lang="fr-FR" sz="2600" dirty="0" err="1">
-                <a:latin typeface="Avenir Book"/>
-              </a:rPr>
-              <a:t>fitted</a:t>
-            </a:r>
-            <a:r>
-              <a:rPr lang="fr-FR" sz="2600" dirty="0">
-                <a:latin typeface="Avenir Book"/>
-              </a:rPr>
-              <a:t> p-values and the size </a:t>
-            </a:r>
-            <a:r>
-              <a:rPr lang="fr-FR" sz="2600" dirty="0" err="1">
-                <a:latin typeface="Avenir Book"/>
-              </a:rPr>
-              <a:t>effect</a:t>
-            </a:r>
-            <a:r>
-              <a:rPr lang="fr-FR" sz="2600" dirty="0">
-                <a:latin typeface="Avenir Book"/>
-              </a:rPr>
-              <a:t>. </a:t>
-            </a:r>
-            <a:r>
-              <a:rPr lang="fr-FR" sz="2600" dirty="0" err="1">
-                <a:latin typeface="Avenir Book"/>
-              </a:rPr>
-              <a:t>However</a:t>
-            </a:r>
-            <a:r>
-              <a:rPr lang="fr-FR" sz="2600" dirty="0">
-                <a:latin typeface="Avenir Book"/>
-              </a:rPr>
-              <a:t>, </a:t>
-            </a:r>
-            <a:r>
-              <a:rPr lang="fr-FR" sz="2600" dirty="0" err="1">
-                <a:latin typeface="Avenir Book"/>
-              </a:rPr>
-              <a:t>these</a:t>
-            </a:r>
-            <a:r>
-              <a:rPr lang="fr-FR" sz="2600" dirty="0">
-                <a:latin typeface="Avenir Book"/>
-              </a:rPr>
-              <a:t> </a:t>
-            </a:r>
-            <a:r>
-              <a:rPr lang="fr-FR" sz="2600" dirty="0" err="1">
-                <a:latin typeface="Avenir Book"/>
-              </a:rPr>
-              <a:t>procedures</a:t>
-            </a:r>
-            <a:r>
-              <a:rPr lang="fr-FR" sz="2600" dirty="0">
-                <a:latin typeface="Avenir Book"/>
-              </a:rPr>
-              <a:t> do not </a:t>
-            </a:r>
-            <a:r>
-              <a:rPr lang="fr-FR" sz="2600" dirty="0" err="1">
-                <a:latin typeface="Avenir Book"/>
-              </a:rPr>
-              <a:t>guarantee</a:t>
-            </a:r>
-            <a:r>
-              <a:rPr lang="fr-FR" sz="2600" dirty="0">
-                <a:latin typeface="Avenir Book"/>
-              </a:rPr>
-              <a:t> </a:t>
-            </a:r>
-            <a:r>
-              <a:rPr lang="fr-FR" sz="2600" dirty="0" err="1">
-                <a:latin typeface="Avenir Book"/>
-              </a:rPr>
-              <a:t>error</a:t>
-            </a:r>
-            <a:r>
-              <a:rPr lang="fr-FR" sz="2600" dirty="0">
-                <a:latin typeface="Avenir Book"/>
-              </a:rPr>
-              <a:t> control on the </a:t>
-            </a:r>
-            <a:r>
-              <a:rPr lang="fr-FR" sz="2600" dirty="0" err="1">
-                <a:latin typeface="Avenir Book"/>
-              </a:rPr>
-              <a:t>subsets</a:t>
-            </a:r>
-            <a:r>
-              <a:rPr lang="fr-FR" sz="2600" dirty="0">
-                <a:latin typeface="Avenir Book"/>
-              </a:rPr>
-              <a:t> and </a:t>
-            </a:r>
-            <a:r>
-              <a:rPr lang="fr-FR" sz="2600" dirty="0" err="1">
-                <a:latin typeface="Avenir Book"/>
-              </a:rPr>
-              <a:t>therefore</a:t>
-            </a:r>
-            <a:r>
-              <a:rPr lang="fr-FR" sz="2600" dirty="0">
-                <a:latin typeface="Avenir Book"/>
-              </a:rPr>
-              <a:t> </a:t>
-            </a:r>
-            <a:r>
-              <a:rPr lang="fr-FR" sz="2600" dirty="0" err="1">
-                <a:latin typeface="Avenir Book"/>
-              </a:rPr>
-              <a:t>they</a:t>
-            </a:r>
-            <a:r>
-              <a:rPr lang="fr-FR" sz="2600" dirty="0">
-                <a:latin typeface="Avenir Book"/>
-              </a:rPr>
-              <a:t> can </a:t>
-            </a:r>
-            <a:r>
-              <a:rPr lang="fr-FR" sz="2600" dirty="0" err="1">
-                <a:latin typeface="Avenir Book"/>
-              </a:rPr>
-              <a:t>be</a:t>
-            </a:r>
-            <a:r>
-              <a:rPr lang="fr-FR" sz="2600" dirty="0">
-                <a:latin typeface="Avenir Book"/>
-              </a:rPr>
-              <a:t> </a:t>
-            </a:r>
-            <a:r>
-              <a:rPr lang="fr-FR" sz="2600" dirty="0" err="1">
-                <a:latin typeface="Avenir Book"/>
-              </a:rPr>
-              <a:t>inflated</a:t>
-            </a:r>
-            <a:r>
-              <a:rPr lang="fr-FR" sz="2600" dirty="0">
-                <a:latin typeface="Avenir Book"/>
-              </a:rPr>
-              <a:t>. </a:t>
-            </a:r>
-          </a:p>
-        </p:txBody>
-      </p:sp>
-      <p:sp>
-        <p:nvSpPr>
           <p:cNvPr id="36" name="ZoneTexte 35">
             <a:extLst>
               <a:ext uri="{FF2B5EF4-FFF2-40B4-BE49-F238E27FC236}">
@@ -4822,8 +4392,8 @@
         </p:nvSpPr>
         <p:spPr>
           <a:xfrm>
-            <a:off x="20068674" y="13772220"/>
-            <a:ext cx="9236674" cy="4093428"/>
+            <a:off x="15512143" y="16062123"/>
+            <a:ext cx="13717146" cy="2308324"/>
           </a:xfrm>
           <a:prstGeom prst="rect">
             <a:avLst/>
@@ -4838,547 +4408,547 @@
           <a:p>
             <a:pPr algn="just"/>
             <a:r>
-              <a:rPr lang="fr-FR" sz="2600" dirty="0">
+              <a:rPr lang="fr-FR" sz="2400" dirty="0">
                 <a:latin typeface="Avenir Book"/>
               </a:rPr>
               <a:t>FDR inflation </a:t>
             </a:r>
             <a:r>
-              <a:rPr lang="fr-FR" sz="2600" dirty="0" err="1">
+              <a:rPr lang="fr-FR" sz="2400" dirty="0" err="1">
                 <a:latin typeface="Avenir Book"/>
               </a:rPr>
               <a:t>occurs</a:t>
             </a:r>
             <a:r>
-              <a:rPr lang="fr-FR" sz="2600" dirty="0">
+              <a:rPr lang="fr-FR" sz="2400" dirty="0">
                 <a:latin typeface="Avenir Book"/>
               </a:rPr>
               <a:t> </a:t>
             </a:r>
             <a:r>
-              <a:rPr lang="fr-FR" sz="2600" dirty="0" err="1">
+              <a:rPr lang="fr-FR" sz="2400" dirty="0" err="1">
                 <a:latin typeface="Avenir Book"/>
               </a:rPr>
               <a:t>when</a:t>
             </a:r>
             <a:r>
-              <a:rPr lang="fr-FR" sz="2600" dirty="0">
+              <a:rPr lang="fr-FR" sz="2400" dirty="0">
                 <a:latin typeface="Avenir Book"/>
               </a:rPr>
               <a:t> FDR control </a:t>
             </a:r>
             <a:r>
-              <a:rPr lang="fr-FR" sz="2600" dirty="0" err="1">
+              <a:rPr lang="fr-FR" sz="2400" dirty="0" err="1">
                 <a:latin typeface="Avenir Book"/>
               </a:rPr>
               <a:t>procedures</a:t>
             </a:r>
             <a:r>
-              <a:rPr lang="fr-FR" sz="2600" dirty="0">
+              <a:rPr lang="fr-FR" sz="2400" dirty="0">
                 <a:latin typeface="Avenir Book"/>
               </a:rPr>
               <a:t> </a:t>
             </a:r>
             <a:r>
-              <a:rPr lang="fr-FR" sz="2600" dirty="0" err="1">
+              <a:rPr lang="fr-FR" sz="2400" dirty="0" err="1">
                 <a:latin typeface="Avenir Book"/>
               </a:rPr>
               <a:t>such</a:t>
             </a:r>
             <a:r>
-              <a:rPr lang="fr-FR" sz="2600" dirty="0">
+              <a:rPr lang="fr-FR" sz="2400" dirty="0">
                 <a:latin typeface="Avenir Book"/>
               </a:rPr>
               <a:t> as BH are </a:t>
             </a:r>
             <a:r>
-              <a:rPr lang="fr-FR" sz="2600" dirty="0" err="1">
+              <a:rPr lang="fr-FR" sz="2400" dirty="0" err="1">
                 <a:latin typeface="Avenir Book"/>
               </a:rPr>
               <a:t>combined</a:t>
             </a:r>
             <a:r>
-              <a:rPr lang="fr-FR" sz="2600" dirty="0">
+              <a:rPr lang="fr-FR" sz="2400" dirty="0">
                 <a:latin typeface="Avenir Book"/>
               </a:rPr>
               <a:t> </a:t>
             </a:r>
             <a:r>
-              <a:rPr lang="fr-FR" sz="2600" dirty="0" err="1">
+              <a:rPr lang="fr-FR" sz="2400" dirty="0" err="1">
                 <a:latin typeface="Avenir Book"/>
               </a:rPr>
               <a:t>with</a:t>
             </a:r>
             <a:r>
-              <a:rPr lang="fr-FR" sz="2600" dirty="0">
+              <a:rPr lang="fr-FR" sz="2400" dirty="0">
                 <a:latin typeface="Avenir Book"/>
               </a:rPr>
               <a:t> the </a:t>
             </a:r>
             <a:r>
-              <a:rPr lang="fr-FR" sz="2600" dirty="0" err="1">
+              <a:rPr lang="fr-FR" sz="2400" dirty="0" err="1">
                 <a:latin typeface="Avenir Book"/>
               </a:rPr>
               <a:t>Volcano</a:t>
             </a:r>
             <a:r>
-              <a:rPr lang="fr-FR" sz="2600" dirty="0">
+              <a:rPr lang="fr-FR" sz="2400" dirty="0">
                 <a:latin typeface="Avenir Book"/>
               </a:rPr>
               <a:t> Plots double </a:t>
             </a:r>
             <a:r>
-              <a:rPr lang="fr-FR" sz="2600" dirty="0" err="1">
+              <a:rPr lang="fr-FR" sz="2400" dirty="0" err="1">
                 <a:latin typeface="Avenir Book"/>
               </a:rPr>
               <a:t>filter</a:t>
             </a:r>
             <a:r>
-              <a:rPr lang="fr-FR" sz="2600" dirty="0">
+              <a:rPr lang="fr-FR" sz="2400" dirty="0">
                 <a:latin typeface="Avenir Book"/>
               </a:rPr>
               <a:t> </a:t>
             </a:r>
             <a:r>
-              <a:rPr lang="fr-FR" sz="2600" dirty="0" err="1">
+              <a:rPr lang="fr-FR" sz="2400" dirty="0" err="1">
                 <a:latin typeface="Avenir Book"/>
               </a:rPr>
               <a:t>procedure</a:t>
             </a:r>
             <a:r>
-              <a:rPr lang="fr-FR" sz="2600" dirty="0">
+              <a:rPr lang="fr-FR" sz="2400" dirty="0">
                 <a:latin typeface="Avenir Book"/>
               </a:rPr>
               <a:t>. FDR control on a set of </a:t>
             </a:r>
             <a:r>
-              <a:rPr lang="fr-FR" sz="2600" dirty="0" err="1">
+              <a:rPr lang="fr-FR" sz="2400" dirty="0" err="1">
                 <a:latin typeface="Avenir Book"/>
               </a:rPr>
               <a:t>discoveries</a:t>
             </a:r>
             <a:r>
-              <a:rPr lang="fr-FR" sz="2600" dirty="0">
+              <a:rPr lang="fr-FR" sz="2400" dirty="0">
                 <a:latin typeface="Avenir Book"/>
               </a:rPr>
               <a:t> </a:t>
             </a:r>
             <a:r>
-              <a:rPr lang="fr-FR" sz="2600" dirty="0" err="1">
+              <a:rPr lang="fr-FR" sz="2400" dirty="0" err="1">
                 <a:latin typeface="Avenir Book"/>
               </a:rPr>
               <a:t>does</a:t>
             </a:r>
             <a:r>
-              <a:rPr lang="fr-FR" sz="2600" dirty="0">
+              <a:rPr lang="fr-FR" sz="2400" dirty="0">
                 <a:latin typeface="Avenir Book"/>
               </a:rPr>
               <a:t> not </a:t>
             </a:r>
             <a:r>
-              <a:rPr lang="fr-FR" sz="2600" dirty="0" err="1">
+              <a:rPr lang="fr-FR" sz="2400" dirty="0" err="1">
                 <a:latin typeface="Avenir Book"/>
               </a:rPr>
               <a:t>imply</a:t>
             </a:r>
             <a:r>
-              <a:rPr lang="fr-FR" sz="2600" dirty="0">
+              <a:rPr lang="fr-FR" sz="2400" dirty="0">
                 <a:latin typeface="Avenir Book"/>
               </a:rPr>
               <a:t> FDR control on </a:t>
             </a:r>
             <a:r>
-              <a:rPr lang="fr-FR" sz="2600" dirty="0" err="1">
+              <a:rPr lang="fr-FR" sz="2400" dirty="0" err="1">
                 <a:latin typeface="Avenir Book"/>
               </a:rPr>
               <a:t>subsets</a:t>
             </a:r>
             <a:r>
-              <a:rPr lang="fr-FR" sz="2600" dirty="0">
+              <a:rPr lang="fr-FR" sz="2400" dirty="0">
                 <a:latin typeface="Avenir Book"/>
               </a:rPr>
               <a:t> of </a:t>
             </a:r>
             <a:r>
-              <a:rPr lang="fr-FR" sz="2600" dirty="0" err="1">
+              <a:rPr lang="fr-FR" sz="2400" dirty="0" err="1">
                 <a:latin typeface="Avenir Book"/>
               </a:rPr>
               <a:t>these</a:t>
             </a:r>
             <a:r>
-              <a:rPr lang="fr-FR" sz="2600" dirty="0">
+              <a:rPr lang="fr-FR" sz="2400" dirty="0">
                 <a:latin typeface="Avenir Book"/>
               </a:rPr>
               <a:t> </a:t>
             </a:r>
             <a:r>
-              <a:rPr lang="fr-FR" sz="2600" dirty="0" err="1">
+              <a:rPr lang="fr-FR" sz="2400" dirty="0" err="1">
                 <a:latin typeface="Avenir Book"/>
               </a:rPr>
               <a:t>discoveries</a:t>
             </a:r>
             <a:r>
-              <a:rPr lang="fr-FR" sz="2600" dirty="0">
+              <a:rPr lang="fr-FR" sz="2400" dirty="0">
                 <a:latin typeface="Avenir Book"/>
               </a:rPr>
               <a:t>. FDR inflation </a:t>
             </a:r>
             <a:r>
-              <a:rPr lang="fr-FR" sz="2600" dirty="0" err="1">
+              <a:rPr lang="fr-FR" sz="2400" dirty="0" err="1">
                 <a:latin typeface="Avenir Book"/>
               </a:rPr>
               <a:t>is</a:t>
             </a:r>
             <a:r>
-              <a:rPr lang="fr-FR" sz="2600" dirty="0">
+              <a:rPr lang="fr-FR" sz="2400" dirty="0">
                 <a:latin typeface="Avenir Book"/>
               </a:rPr>
               <a:t> high </a:t>
             </a:r>
             <a:r>
-              <a:rPr lang="fr-FR" sz="2600" dirty="0" err="1">
+              <a:rPr lang="fr-FR" sz="2400" dirty="0" err="1">
                 <a:latin typeface="Avenir Book"/>
               </a:rPr>
               <a:t>when</a:t>
             </a:r>
             <a:r>
-              <a:rPr lang="fr-FR" sz="2600" dirty="0">
+              <a:rPr lang="fr-FR" sz="2400" dirty="0">
                 <a:latin typeface="Avenir Book"/>
               </a:rPr>
               <a:t> the variance of </a:t>
             </a:r>
             <a:r>
-              <a:rPr lang="fr-FR" sz="2600" dirty="0" err="1">
+              <a:rPr lang="fr-FR" sz="2400" dirty="0" err="1">
                 <a:latin typeface="Avenir Book"/>
               </a:rPr>
               <a:t>differentially</a:t>
             </a:r>
             <a:r>
-              <a:rPr lang="fr-FR" sz="2600" dirty="0">
+              <a:rPr lang="fr-FR" sz="2400" dirty="0">
                 <a:latin typeface="Avenir Book"/>
               </a:rPr>
               <a:t> </a:t>
             </a:r>
             <a:r>
-              <a:rPr lang="fr-FR" sz="2600" dirty="0" err="1">
+              <a:rPr lang="fr-FR" sz="2400" dirty="0" err="1">
                 <a:latin typeface="Avenir Book"/>
               </a:rPr>
               <a:t>expressed</a:t>
             </a:r>
             <a:r>
-              <a:rPr lang="fr-FR" sz="2600" dirty="0">
+              <a:rPr lang="fr-FR" sz="2400" dirty="0">
                 <a:latin typeface="Avenir Book"/>
               </a:rPr>
               <a:t> </a:t>
             </a:r>
             <a:r>
-              <a:rPr lang="fr-FR" sz="2600" dirty="0" err="1">
+              <a:rPr lang="fr-FR" sz="2400" dirty="0" err="1">
                 <a:latin typeface="Avenir Book"/>
               </a:rPr>
               <a:t>genes</a:t>
             </a:r>
             <a:r>
-              <a:rPr lang="fr-FR" sz="2600" dirty="0">
+              <a:rPr lang="fr-FR" sz="2400" dirty="0">
                 <a:latin typeface="Avenir Book"/>
               </a:rPr>
               <a:t> </a:t>
             </a:r>
             <a:r>
-              <a:rPr lang="fr-FR" sz="2600" dirty="0" err="1">
+              <a:rPr lang="fr-FR" sz="2400" dirty="0" err="1">
                 <a:latin typeface="Avenir Book"/>
               </a:rPr>
               <a:t>is</a:t>
             </a:r>
             <a:r>
-              <a:rPr lang="fr-FR" sz="2600" dirty="0">
+              <a:rPr lang="fr-FR" sz="2400" dirty="0">
                 <a:latin typeface="Avenir Book"/>
               </a:rPr>
               <a:t> </a:t>
             </a:r>
             <a:r>
-              <a:rPr lang="fr-FR" sz="2600" dirty="0" err="1">
+              <a:rPr lang="fr-FR" sz="2400" dirty="0" err="1">
                 <a:latin typeface="Avenir Book"/>
               </a:rPr>
               <a:t>lower</a:t>
             </a:r>
             <a:r>
-              <a:rPr lang="fr-FR" sz="2600" dirty="0">
+              <a:rPr lang="fr-FR" sz="2400" dirty="0">
                 <a:latin typeface="Avenir Book"/>
               </a:rPr>
               <a:t> </a:t>
             </a:r>
             <a:r>
-              <a:rPr lang="fr-FR" sz="2600" dirty="0" err="1">
+              <a:rPr lang="fr-FR" sz="2400" dirty="0" err="1">
                 <a:latin typeface="Avenir Book"/>
               </a:rPr>
               <a:t>than</a:t>
             </a:r>
             <a:r>
-              <a:rPr lang="fr-FR" sz="2600" dirty="0">
+              <a:rPr lang="fr-FR" sz="2400" dirty="0">
                 <a:latin typeface="Avenir Book"/>
               </a:rPr>
               <a:t> the variance of non-</a:t>
             </a:r>
             <a:r>
-              <a:rPr lang="fr-FR" sz="2600" dirty="0" err="1">
+              <a:rPr lang="fr-FR" sz="2400" dirty="0" err="1">
                 <a:latin typeface="Avenir Book"/>
               </a:rPr>
               <a:t>differentially</a:t>
             </a:r>
             <a:r>
-              <a:rPr lang="fr-FR" sz="2600" dirty="0">
+              <a:rPr lang="fr-FR" sz="2400" dirty="0">
                 <a:latin typeface="Avenir Book"/>
               </a:rPr>
               <a:t> </a:t>
             </a:r>
             <a:r>
-              <a:rPr lang="fr-FR" sz="2600" dirty="0" err="1">
+              <a:rPr lang="fr-FR" sz="2400" dirty="0" err="1">
                 <a:latin typeface="Avenir Book"/>
               </a:rPr>
               <a:t>expressed</a:t>
             </a:r>
             <a:r>
-              <a:rPr lang="fr-FR" sz="2600" dirty="0">
+              <a:rPr lang="fr-FR" sz="2400" dirty="0">
                 <a:latin typeface="Avenir Book"/>
               </a:rPr>
               <a:t> </a:t>
             </a:r>
             <a:r>
-              <a:rPr lang="fr-FR" sz="2600" dirty="0" err="1">
+              <a:rPr lang="fr-FR" sz="2400" dirty="0" err="1">
                 <a:latin typeface="Avenir Book"/>
               </a:rPr>
               <a:t>genes</a:t>
             </a:r>
             <a:r>
-              <a:rPr lang="fr-FR" sz="2600" dirty="0">
+              <a:rPr lang="fr-FR" sz="2400" dirty="0">
                 <a:latin typeface="Avenir Book"/>
               </a:rPr>
               <a:t>. FDR inflation </a:t>
             </a:r>
             <a:r>
-              <a:rPr lang="fr-FR" sz="2600" dirty="0" err="1">
+              <a:rPr lang="fr-FR" sz="2400" dirty="0" err="1">
                 <a:latin typeface="Avenir Book"/>
               </a:rPr>
               <a:t>is</a:t>
             </a:r>
             <a:r>
-              <a:rPr lang="fr-FR" sz="2600" dirty="0">
+              <a:rPr lang="fr-FR" sz="2400" dirty="0">
                 <a:latin typeface="Avenir Book"/>
               </a:rPr>
               <a:t> </a:t>
             </a:r>
             <a:r>
-              <a:rPr lang="fr-FR" sz="2600" dirty="0" err="1">
+              <a:rPr lang="fr-FR" sz="2400" dirty="0" err="1">
                 <a:latin typeface="Avenir Book"/>
               </a:rPr>
               <a:t>less</a:t>
             </a:r>
             <a:r>
-              <a:rPr lang="fr-FR" sz="2600" dirty="0">
+              <a:rPr lang="fr-FR" sz="2400" dirty="0">
                 <a:latin typeface="Avenir Book"/>
               </a:rPr>
               <a:t> important </a:t>
             </a:r>
             <a:r>
-              <a:rPr lang="fr-FR" sz="2600" dirty="0" err="1">
+              <a:rPr lang="fr-FR" sz="2400" dirty="0" err="1">
                 <a:latin typeface="Avenir Book"/>
               </a:rPr>
               <a:t>when</a:t>
             </a:r>
             <a:r>
-              <a:rPr lang="fr-FR" sz="2600" dirty="0">
+              <a:rPr lang="fr-FR" sz="2400" dirty="0">
                 <a:latin typeface="Avenir Book"/>
               </a:rPr>
               <a:t> </a:t>
             </a:r>
             <a:r>
-              <a:rPr lang="fr-FR" sz="2600" dirty="0" err="1">
+              <a:rPr lang="fr-FR" sz="2400" dirty="0" err="1">
                 <a:latin typeface="Avenir Book"/>
               </a:rPr>
               <a:t>there</a:t>
             </a:r>
             <a:r>
-              <a:rPr lang="fr-FR" sz="2600" dirty="0">
+              <a:rPr lang="fr-FR" sz="2400" dirty="0">
                 <a:latin typeface="Avenir Book"/>
               </a:rPr>
               <a:t> are high </a:t>
             </a:r>
             <a:r>
-              <a:rPr lang="fr-FR" sz="2600" dirty="0" err="1">
+              <a:rPr lang="fr-FR" sz="2400" dirty="0" err="1">
                 <a:latin typeface="Avenir Book"/>
               </a:rPr>
               <a:t>correlations</a:t>
             </a:r>
             <a:r>
-              <a:rPr lang="fr-FR" sz="2600" dirty="0">
+              <a:rPr lang="fr-FR" sz="2400" dirty="0">
                 <a:latin typeface="Avenir Book"/>
               </a:rPr>
               <a:t> or a </a:t>
             </a:r>
             <a:r>
-              <a:rPr lang="fr-FR" sz="2600" dirty="0" err="1">
+              <a:rPr lang="fr-FR" sz="2400" dirty="0" err="1">
                 <a:latin typeface="Avenir Book"/>
               </a:rPr>
               <a:t>low</a:t>
             </a:r>
             <a:r>
-              <a:rPr lang="fr-FR" sz="2600" dirty="0">
+              <a:rPr lang="fr-FR" sz="2400" dirty="0">
                 <a:latin typeface="Avenir Book"/>
               </a:rPr>
               <a:t> proportion of </a:t>
             </a:r>
             <a:r>
-              <a:rPr lang="fr-FR" sz="2600" dirty="0" err="1">
+              <a:rPr lang="fr-FR" sz="2400" dirty="0" err="1">
                 <a:latin typeface="Avenir Book"/>
               </a:rPr>
               <a:t>null</a:t>
             </a:r>
             <a:r>
-              <a:rPr lang="fr-FR" sz="2600" dirty="0">
+              <a:rPr lang="fr-FR" sz="2400" dirty="0">
                 <a:latin typeface="Avenir Book"/>
               </a:rPr>
               <a:t> </a:t>
             </a:r>
             <a:r>
-              <a:rPr lang="fr-FR" sz="2600" dirty="0" err="1">
+              <a:rPr lang="fr-FR" sz="2400" dirty="0" err="1">
                 <a:latin typeface="Avenir Book"/>
               </a:rPr>
               <a:t>genes</a:t>
             </a:r>
             <a:r>
-              <a:rPr lang="fr-FR" sz="2600" dirty="0">
+              <a:rPr lang="fr-FR" sz="2400" dirty="0">
                 <a:latin typeface="Avenir Book"/>
               </a:rPr>
               <a:t>. </a:t>
             </a:r>
             <a:r>
-              <a:rPr lang="fr-FR" sz="2600" dirty="0" err="1">
+              <a:rPr lang="fr-FR" sz="2400" dirty="0" err="1">
                 <a:latin typeface="Avenir Book"/>
               </a:rPr>
               <a:t>Closed</a:t>
             </a:r>
             <a:r>
-              <a:rPr lang="fr-FR" sz="2600" dirty="0">
+              <a:rPr lang="fr-FR" sz="2400" dirty="0">
                 <a:latin typeface="Avenir Book"/>
               </a:rPr>
               <a:t> </a:t>
             </a:r>
             <a:r>
-              <a:rPr lang="fr-FR" sz="2600" dirty="0" err="1">
+              <a:rPr lang="fr-FR" sz="2400" dirty="0" err="1">
                 <a:latin typeface="Avenir Book"/>
               </a:rPr>
               <a:t>testing</a:t>
             </a:r>
             <a:r>
-              <a:rPr lang="fr-FR" sz="2600" dirty="0">
+              <a:rPr lang="fr-FR" sz="2400" dirty="0">
                 <a:latin typeface="Avenir Book"/>
               </a:rPr>
               <a:t> and </a:t>
             </a:r>
             <a:r>
-              <a:rPr lang="fr-FR" sz="2600" dirty="0" err="1">
+              <a:rPr lang="fr-FR" sz="2400" dirty="0" err="1">
                 <a:latin typeface="Avenir Book"/>
               </a:rPr>
               <a:t>focused</a:t>
             </a:r>
             <a:r>
-              <a:rPr lang="fr-FR" sz="2600" dirty="0">
+              <a:rPr lang="fr-FR" sz="2400" dirty="0">
                 <a:latin typeface="Avenir Book"/>
               </a:rPr>
               <a:t> </a:t>
             </a:r>
             <a:r>
-              <a:rPr lang="fr-FR" sz="2600" dirty="0" err="1">
+              <a:rPr lang="fr-FR" sz="2400" dirty="0" err="1">
                 <a:latin typeface="Avenir Book"/>
               </a:rPr>
               <a:t>Benjamini-Hochberg</a:t>
             </a:r>
             <a:r>
-              <a:rPr lang="fr-FR" sz="2600" dirty="0">
+              <a:rPr lang="fr-FR" sz="2400" dirty="0">
                 <a:latin typeface="Avenir Book"/>
               </a:rPr>
               <a:t> are </a:t>
             </a:r>
             <a:r>
-              <a:rPr lang="fr-FR" sz="2600" dirty="0" err="1">
+              <a:rPr lang="fr-FR" sz="2400" dirty="0" err="1">
                 <a:latin typeface="Avenir Book"/>
               </a:rPr>
               <a:t>two</a:t>
             </a:r>
             <a:r>
-              <a:rPr lang="fr-FR" sz="2600" dirty="0">
+              <a:rPr lang="fr-FR" sz="2400" dirty="0">
                 <a:latin typeface="Avenir Book"/>
               </a:rPr>
               <a:t> alternatives to the </a:t>
             </a:r>
             <a:r>
-              <a:rPr lang="fr-FR" sz="2600" dirty="0" err="1">
+              <a:rPr lang="fr-FR" sz="2400" dirty="0" err="1">
                 <a:latin typeface="Avenir Book"/>
               </a:rPr>
               <a:t>Benjamini-Hochberg</a:t>
             </a:r>
             <a:r>
-              <a:rPr lang="fr-FR" sz="2600" dirty="0">
+              <a:rPr lang="fr-FR" sz="2400" dirty="0">
                 <a:latin typeface="Avenir Book"/>
               </a:rPr>
               <a:t> </a:t>
             </a:r>
             <a:r>
-              <a:rPr lang="fr-FR" sz="2600" dirty="0" err="1">
+              <a:rPr lang="fr-FR" sz="2400" dirty="0" err="1">
                 <a:latin typeface="Avenir Book"/>
               </a:rPr>
               <a:t>procedure</a:t>
             </a:r>
             <a:r>
-              <a:rPr lang="fr-FR" sz="2600" dirty="0">
+              <a:rPr lang="fr-FR" sz="2400" dirty="0">
                 <a:latin typeface="Avenir Book"/>
               </a:rPr>
               <a:t> </a:t>
             </a:r>
             <a:r>
-              <a:rPr lang="fr-FR" sz="2600" dirty="0" err="1">
+              <a:rPr lang="fr-FR" sz="2400" dirty="0" err="1">
                 <a:latin typeface="Avenir Book"/>
               </a:rPr>
               <a:t>that</a:t>
             </a:r>
             <a:r>
-              <a:rPr lang="fr-FR" sz="2600" dirty="0">
+              <a:rPr lang="fr-FR" sz="2400" dirty="0">
                 <a:latin typeface="Avenir Book"/>
               </a:rPr>
               <a:t> </a:t>
             </a:r>
             <a:r>
-              <a:rPr lang="fr-FR" sz="2600" dirty="0" err="1">
+              <a:rPr lang="fr-FR" sz="2400" dirty="0" err="1">
                 <a:latin typeface="Avenir Book"/>
               </a:rPr>
               <a:t>allow</a:t>
             </a:r>
             <a:r>
-              <a:rPr lang="fr-FR" sz="2600" dirty="0">
+              <a:rPr lang="fr-FR" sz="2400" dirty="0">
                 <a:latin typeface="Avenir Book"/>
               </a:rPr>
               <a:t> double screening </a:t>
             </a:r>
             <a:r>
-              <a:rPr lang="fr-FR" sz="2600" dirty="0" err="1">
+              <a:rPr lang="fr-FR" sz="2400" dirty="0" err="1">
                 <a:latin typeface="Avenir Book"/>
               </a:rPr>
               <a:t>while</a:t>
             </a:r>
             <a:r>
-              <a:rPr lang="fr-FR" sz="2600" dirty="0">
+              <a:rPr lang="fr-FR" sz="2400" dirty="0">
                 <a:latin typeface="Avenir Book"/>
               </a:rPr>
               <a:t> </a:t>
             </a:r>
             <a:r>
-              <a:rPr lang="fr-FR" sz="2600" dirty="0" err="1">
+              <a:rPr lang="fr-FR" sz="2400" dirty="0" err="1">
                 <a:latin typeface="Avenir Book"/>
               </a:rPr>
               <a:t>controlling</a:t>
             </a:r>
             <a:r>
-              <a:rPr lang="fr-FR" sz="2600" dirty="0">
+              <a:rPr lang="fr-FR" sz="2400" dirty="0">
                 <a:latin typeface="Avenir Book"/>
               </a:rPr>
               <a:t> the FDR.</a:t>
@@ -5400,8 +4970,8 @@
         </p:nvSpPr>
         <p:spPr>
           <a:xfrm>
-            <a:off x="13317892" y="3489304"/>
-            <a:ext cx="5427309" cy="4893647"/>
+            <a:off x="8083621" y="3484656"/>
+            <a:ext cx="6383493" cy="3785652"/>
           </a:xfrm>
           <a:prstGeom prst="rect">
             <a:avLst/>
@@ -5414,361 +4984,205 @@
           </a:bodyPr>
           <a:lstStyle/>
           <a:p>
-            <a:pPr marL="457200" indent="-457200" algn="just">
-              <a:buFont typeface="Arial" panose="020B0604020202020204" pitchFamily="34" charset="0"/>
-              <a:buChar char="•"/>
-            </a:pPr>
-            <a:r>
-              <a:rPr lang="fr-FR" sz="2600" dirty="0" err="1">
-                <a:latin typeface="Avenir Book"/>
-              </a:rPr>
-              <a:t>Explain</a:t>
-            </a:r>
-            <a:r>
-              <a:rPr lang="fr-FR" sz="2600" dirty="0">
-                <a:latin typeface="Avenir Book"/>
-              </a:rPr>
-              <a:t> the </a:t>
-            </a:r>
-            <a:r>
-              <a:rPr lang="fr-FR" sz="2600" dirty="0" err="1">
-                <a:latin typeface="Avenir Book"/>
-              </a:rPr>
-              <a:t>statistical</a:t>
-            </a:r>
-            <a:r>
-              <a:rPr lang="fr-FR" sz="2600" dirty="0">
+            <a:pPr algn="just"/>
+            <a:r>
+              <a:rPr lang="fr-FR" sz="2400" dirty="0">
+                <a:latin typeface="Avenir Book"/>
+              </a:rPr>
+              <a:t>The </a:t>
+            </a:r>
+            <a:r>
+              <a:rPr lang="fr-FR" sz="2400" dirty="0" err="1">
+                <a:latin typeface="Avenir Book"/>
+              </a:rPr>
+              <a:t>procedure</a:t>
+            </a:r>
+            <a:r>
+              <a:rPr lang="fr-FR" sz="2400" dirty="0">
+                <a:latin typeface="Avenir Book"/>
+              </a:rPr>
+              <a:t> of </a:t>
+            </a:r>
+            <a:r>
+              <a:rPr lang="fr-FR" sz="2400" dirty="0" err="1">
+                <a:latin typeface="Avenir Book"/>
+              </a:rPr>
+              <a:t>Benjamini-Hochberg</a:t>
+            </a:r>
+            <a:r>
+              <a:rPr lang="fr-FR" sz="2400" dirty="0">
                 <a:latin typeface="Avenir Book"/>
               </a:rPr>
               <a:t> </a:t>
             </a:r>
             <a:r>
-              <a:rPr lang="fr-FR" sz="2600" dirty="0" err="1">
-                <a:latin typeface="Avenir Book"/>
-              </a:rPr>
-              <a:t>weaknesses</a:t>
-            </a:r>
-            <a:r>
-              <a:rPr lang="fr-FR" sz="2600" dirty="0">
-                <a:latin typeface="Avenir Book"/>
-              </a:rPr>
-              <a:t> of </a:t>
-            </a:r>
-            <a:r>
-              <a:rPr lang="fr-FR" sz="2600" dirty="0" err="1">
-                <a:latin typeface="Avenir Book"/>
-              </a:rPr>
-              <a:t>conventional</a:t>
-            </a:r>
-            <a:r>
-              <a:rPr lang="fr-FR" sz="2600" dirty="0">
+              <a:rPr lang="fr-FR" sz="2400" dirty="0" err="1">
+                <a:latin typeface="Avenir Book"/>
+              </a:rPr>
+              <a:t>does</a:t>
+            </a:r>
+            <a:r>
+              <a:rPr lang="fr-FR" sz="2400" dirty="0">
+                <a:latin typeface="Avenir Book"/>
+              </a:rPr>
+              <a:t> not </a:t>
+            </a:r>
+            <a:r>
+              <a:rPr lang="fr-FR" sz="2400" dirty="0" err="1">
+                <a:latin typeface="Avenir Book"/>
+              </a:rPr>
+              <a:t>guarantee</a:t>
+            </a:r>
+            <a:r>
+              <a:rPr lang="fr-FR" sz="2400" dirty="0">
                 <a:latin typeface="Avenir Book"/>
               </a:rPr>
               <a:t> </a:t>
             </a:r>
             <a:r>
-              <a:rPr lang="fr-FR" sz="2600" dirty="0" err="1">
-                <a:latin typeface="Avenir Book"/>
-              </a:rPr>
-              <a:t>strategies</a:t>
-            </a:r>
-            <a:r>
-              <a:rPr lang="fr-FR" sz="2600" dirty="0">
-                <a:latin typeface="Avenir Book"/>
-              </a:rPr>
-              <a:t>, the </a:t>
-            </a:r>
-            <a:r>
-              <a:rPr lang="fr-FR" sz="2600" dirty="0" err="1">
-                <a:latin typeface="Avenir Book"/>
-              </a:rPr>
-              <a:t>procedure</a:t>
-            </a:r>
-            <a:r>
-              <a:rPr lang="fr-FR" sz="2600" dirty="0">
-                <a:latin typeface="Avenir Book"/>
-              </a:rPr>
-              <a:t> of </a:t>
-            </a:r>
-            <a:r>
-              <a:rPr lang="fr-FR" sz="2600" dirty="0" err="1">
+              <a:rPr lang="fr-FR" sz="2400" dirty="0" err="1">
+                <a:latin typeface="Avenir Book"/>
+              </a:rPr>
+              <a:t>error</a:t>
+            </a:r>
+            <a:r>
+              <a:rPr lang="fr-FR" sz="2400" dirty="0">
+                <a:latin typeface="Avenir Book"/>
+              </a:rPr>
+              <a:t> control on the </a:t>
+            </a:r>
+            <a:r>
+              <a:rPr lang="fr-FR" sz="2400" dirty="0" err="1">
+                <a:latin typeface="Avenir Book"/>
+              </a:rPr>
+              <a:t>subsets</a:t>
+            </a:r>
+            <a:r>
+              <a:rPr lang="fr-FR" sz="2400" dirty="0">
+                <a:latin typeface="Avenir Book"/>
+              </a:rPr>
+              <a:t> and </a:t>
+            </a:r>
+            <a:r>
+              <a:rPr lang="fr-FR" sz="2400" dirty="0" err="1">
+                <a:latin typeface="Avenir Book"/>
+              </a:rPr>
+              <a:t>therefore</a:t>
+            </a:r>
+            <a:r>
+              <a:rPr lang="fr-FR" sz="2400" dirty="0">
+                <a:latin typeface="Avenir Book"/>
+              </a:rPr>
+              <a:t> </a:t>
+            </a:r>
+            <a:r>
+              <a:rPr lang="fr-FR" sz="2400" dirty="0" err="1">
+                <a:latin typeface="Avenir Book"/>
+              </a:rPr>
+              <a:t>it</a:t>
+            </a:r>
+            <a:r>
+              <a:rPr lang="fr-FR" sz="2400" dirty="0">
+                <a:latin typeface="Avenir Book"/>
+              </a:rPr>
+              <a:t> can </a:t>
+            </a:r>
+            <a:r>
+              <a:rPr lang="fr-FR" sz="2400" dirty="0" err="1">
+                <a:latin typeface="Avenir Book"/>
+              </a:rPr>
+              <a:t>inflated</a:t>
+            </a:r>
+            <a:r>
+              <a:rPr lang="fr-FR" sz="2400" dirty="0">
+                <a:latin typeface="Avenir Book"/>
+              </a:rPr>
+              <a:t> the False Discovery Rate. </a:t>
+            </a:r>
+            <a:r>
+              <a:rPr lang="en-US" sz="2400" dirty="0">
+                <a:latin typeface="Avenir Book"/>
+              </a:rPr>
+              <a:t>To maintain control of the FDR, the FDP and total number of positives must be reduced at the same time, which is not necessarily the case with the </a:t>
+            </a:r>
+            <a:r>
+              <a:rPr lang="fr-FR" sz="2400" dirty="0" err="1">
                 <a:latin typeface="Avenir Book"/>
               </a:rPr>
               <a:t>Benjamini-Hochberg</a:t>
             </a:r>
             <a:r>
-              <a:rPr lang="fr-FR" sz="2600" dirty="0">
+              <a:rPr lang="en-US" sz="2400" dirty="0">
+                <a:latin typeface="Avenir Book"/>
+              </a:rPr>
+              <a:t> method.</a:t>
+            </a:r>
+            <a:r>
+              <a:rPr lang="fr-FR" sz="2400" dirty="0">
+                <a:latin typeface="Avenir Book"/>
+              </a:rPr>
+              <a:t> </a:t>
+            </a:r>
+          </a:p>
+          <a:p>
+            <a:pPr algn="just"/>
+            <a:r>
+              <a:rPr lang="fr-FR" sz="2400" dirty="0" err="1">
+                <a:latin typeface="Avenir Book"/>
+              </a:rPr>
+              <a:t>Two</a:t>
+            </a:r>
+            <a:r>
+              <a:rPr lang="fr-FR" sz="2400" dirty="0">
+                <a:latin typeface="Avenir Book"/>
+              </a:rPr>
+              <a:t> </a:t>
+            </a:r>
+            <a:r>
+              <a:rPr lang="en-US" sz="2400" dirty="0">
+                <a:latin typeface="Avenir Book"/>
+              </a:rPr>
+              <a:t>approaches are proposed to overcome this weakness, the Focused </a:t>
+            </a:r>
+            <a:r>
+              <a:rPr lang="fr-FR" sz="2400" dirty="0" err="1">
+                <a:latin typeface="Avenir Book"/>
+              </a:rPr>
+              <a:t>Benjamini-Hochberg</a:t>
+            </a:r>
+            <a:r>
+              <a:rPr lang="fr-FR" sz="2400" dirty="0">
                 <a:latin typeface="Avenir Book"/>
               </a:rPr>
               <a:t> and the </a:t>
             </a:r>
             <a:r>
-              <a:rPr lang="fr-FR" sz="2600" dirty="0" err="1">
-                <a:latin typeface="Avenir Book"/>
-              </a:rPr>
-              <a:t>procedure</a:t>
-            </a:r>
-            <a:r>
-              <a:rPr lang="fr-FR" sz="2600" dirty="0">
-                <a:latin typeface="Avenir Book"/>
-              </a:rPr>
-              <a:t> of "double </a:t>
-            </a:r>
-            <a:r>
-              <a:rPr lang="fr-FR" sz="2600" dirty="0" err="1">
-                <a:latin typeface="Avenir Book"/>
-              </a:rPr>
-              <a:t>filter</a:t>
-            </a:r>
-            <a:r>
-              <a:rPr lang="fr-FR" sz="2600" dirty="0">
-                <a:latin typeface="Avenir Book"/>
-              </a:rPr>
-              <a:t>" or </a:t>
-            </a:r>
-            <a:r>
-              <a:rPr lang="fr-FR" sz="2600" dirty="0" err="1">
-                <a:latin typeface="Avenir Book"/>
-              </a:rPr>
-              <a:t>Volcano</a:t>
-            </a:r>
-            <a:r>
-              <a:rPr lang="fr-FR" sz="2600" dirty="0">
-                <a:latin typeface="Avenir Book"/>
-              </a:rPr>
-              <a:t> plot,  for </a:t>
-            </a:r>
-            <a:r>
-              <a:rPr lang="fr-FR" sz="2600" dirty="0" err="1">
-                <a:latin typeface="Avenir Book"/>
-              </a:rPr>
-              <a:t>differential</a:t>
-            </a:r>
-            <a:r>
-              <a:rPr lang="fr-FR" sz="2600" dirty="0">
+              <a:rPr lang="fr-FR" sz="2400" dirty="0" err="1">
+                <a:latin typeface="Avenir Book"/>
+              </a:rPr>
+              <a:t>Closed</a:t>
+            </a:r>
+            <a:r>
+              <a:rPr lang="fr-FR" sz="2400" dirty="0">
                 <a:latin typeface="Avenir Book"/>
               </a:rPr>
               <a:t> </a:t>
             </a:r>
             <a:r>
-              <a:rPr lang="fr-FR" sz="2600" dirty="0" err="1">
-                <a:latin typeface="Avenir Book"/>
-              </a:rPr>
-              <a:t>analysis</a:t>
-            </a:r>
-            <a:r>
-              <a:rPr lang="fr-FR" sz="2600" dirty="0">
-                <a:latin typeface="Avenir Book"/>
-              </a:rPr>
-              <a:t> (False Discovery Rate control)</a:t>
-            </a:r>
-          </a:p>
-          <a:p>
-            <a:pPr marL="457200" indent="-457200" algn="just">
-              <a:buFont typeface="Arial" panose="020B0604020202020204" pitchFamily="34" charset="0"/>
-              <a:buChar char="•"/>
-            </a:pPr>
-            <a:endParaRPr lang="fr-FR" sz="2600" dirty="0">
+              <a:rPr lang="fr-FR" sz="2400" dirty="0" err="1">
+                <a:latin typeface="Avenir Book"/>
+              </a:rPr>
+              <a:t>testing</a:t>
+            </a:r>
+            <a:r>
+              <a:rPr lang="en-US" sz="2400" dirty="0">
+                <a:latin typeface="Avenir Book"/>
+              </a:rPr>
+              <a:t>.</a:t>
+            </a:r>
+            <a:endParaRPr lang="fr-FR" sz="2400" dirty="0">
               <a:latin typeface="Avenir Book"/>
             </a:endParaRPr>
-          </a:p>
-          <a:p>
-            <a:pPr marL="457200" indent="-457200" algn="just">
-              <a:buFont typeface="Arial" panose="020B0604020202020204" pitchFamily="34" charset="0"/>
-              <a:buChar char="•"/>
-            </a:pPr>
-            <a:r>
-              <a:rPr lang="en-US" sz="2600" dirty="0">
-                <a:latin typeface="Avenir Book"/>
-              </a:rPr>
-              <a:t>Show whether the proposed approaches, the Focused </a:t>
-            </a:r>
-            <a:r>
-              <a:rPr lang="fr-FR" sz="2600" dirty="0" err="1">
-                <a:latin typeface="Avenir Book"/>
-              </a:rPr>
-              <a:t>Benjamini-Hochberg</a:t>
-            </a:r>
-            <a:r>
-              <a:rPr lang="fr-FR" sz="2600" dirty="0">
-                <a:latin typeface="Avenir Book"/>
-              </a:rPr>
-              <a:t> and the </a:t>
-            </a:r>
-            <a:r>
-              <a:rPr lang="fr-FR" sz="2600" dirty="0" err="1">
-                <a:latin typeface="Avenir Book"/>
-              </a:rPr>
-              <a:t>Closed</a:t>
-            </a:r>
-            <a:r>
-              <a:rPr lang="fr-FR" sz="2600" dirty="0">
-                <a:latin typeface="Avenir Book"/>
-              </a:rPr>
-              <a:t> </a:t>
-            </a:r>
-            <a:r>
-              <a:rPr lang="fr-FR" sz="2600" dirty="0" err="1">
-                <a:latin typeface="Avenir Book"/>
-              </a:rPr>
-              <a:t>testing</a:t>
-            </a:r>
-            <a:r>
-              <a:rPr lang="fr-FR" sz="2600" dirty="0">
-                <a:latin typeface="Avenir Book"/>
-              </a:rPr>
-              <a:t>, </a:t>
-            </a:r>
-            <a:r>
-              <a:rPr lang="en-US" sz="2600" dirty="0">
-                <a:latin typeface="Avenir Book"/>
-              </a:rPr>
-              <a:t>can overcome these weaknesses.</a:t>
-            </a:r>
-            <a:endParaRPr lang="fr-FR" sz="2600" dirty="0">
-              <a:latin typeface="Avenir Book"/>
-            </a:endParaRPr>
-          </a:p>
-        </p:txBody>
-      </p:sp>
-      <p:sp>
-        <p:nvSpPr>
-          <p:cNvPr id="41" name="ZoneTexte 40">
-            <a:extLst>
-              <a:ext uri="{FF2B5EF4-FFF2-40B4-BE49-F238E27FC236}">
-                <a16:creationId xmlns:a16="http://schemas.microsoft.com/office/drawing/2014/main" id="{6E36B41A-42C6-4E3A-9506-CF4D6033B539}"/>
-              </a:ext>
-            </a:extLst>
-          </p:cNvPr>
-          <p:cNvSpPr txBox="1"/>
-          <p:nvPr/>
-        </p:nvSpPr>
-        <p:spPr>
-          <a:xfrm>
-            <a:off x="956368" y="6774883"/>
-            <a:ext cx="6091078" cy="2492990"/>
-          </a:xfrm>
-          <a:prstGeom prst="rect">
-            <a:avLst/>
-          </a:prstGeom>
-          <a:noFill/>
-        </p:spPr>
-        <p:txBody>
-          <a:bodyPr wrap="square">
-            <a:spAutoFit/>
-          </a:bodyPr>
-          <a:lstStyle/>
-          <a:p>
-            <a:pPr algn="just"/>
-            <a:r>
-              <a:rPr lang="fr-FR" sz="2600" dirty="0">
-                <a:latin typeface="Avenir Book"/>
-              </a:rPr>
-              <a:t>The </a:t>
-            </a:r>
-            <a:r>
-              <a:rPr lang="fr-FR" sz="2600" dirty="0" err="1">
-                <a:latin typeface="Avenir Book"/>
-              </a:rPr>
-              <a:t>Volcano</a:t>
-            </a:r>
-            <a:r>
-              <a:rPr lang="fr-FR" sz="2600" dirty="0">
-                <a:latin typeface="Avenir Book"/>
-              </a:rPr>
-              <a:t> plot </a:t>
-            </a:r>
-            <a:r>
-              <a:rPr lang="fr-FR" sz="2600" dirty="0" err="1">
-                <a:latin typeface="Avenir Book"/>
-              </a:rPr>
-              <a:t>is</a:t>
-            </a:r>
-            <a:r>
-              <a:rPr lang="fr-FR" sz="2600" dirty="0">
-                <a:latin typeface="Avenir Book"/>
-              </a:rPr>
-              <a:t> a </a:t>
-            </a:r>
-            <a:r>
-              <a:rPr lang="fr-FR" sz="2600" dirty="0" err="1">
-                <a:latin typeface="Avenir Book"/>
-              </a:rPr>
-              <a:t>scatter</a:t>
-            </a:r>
-            <a:r>
-              <a:rPr lang="fr-FR" sz="2600" dirty="0">
-                <a:latin typeface="Avenir Book"/>
-              </a:rPr>
-              <a:t> plot of </a:t>
-            </a:r>
-            <a:r>
-              <a:rPr lang="en-US" sz="2600" dirty="0">
-                <a:latin typeface="Avenir Book"/>
-              </a:rPr>
-              <a:t>-log10 of p-values among significant p-values after </a:t>
-            </a:r>
-            <a:r>
-              <a:rPr lang="fr-FR" sz="2600" dirty="0" err="1">
-                <a:latin typeface="Avenir Book"/>
-              </a:rPr>
-              <a:t>Benjamini-Hochberg</a:t>
-            </a:r>
-            <a:r>
-              <a:rPr lang="fr-FR" sz="2600" dirty="0">
-                <a:latin typeface="Avenir Book"/>
-              </a:rPr>
-              <a:t> </a:t>
-            </a:r>
-            <a:r>
-              <a:rPr lang="en-US" sz="2600" dirty="0">
-                <a:latin typeface="Avenir Book"/>
-              </a:rPr>
-              <a:t>correction</a:t>
-            </a:r>
-            <a:r>
-              <a:rPr lang="fr-FR" sz="2600" dirty="0">
-                <a:latin typeface="Avenir Book"/>
-              </a:rPr>
-              <a:t> (y-axis) versus </a:t>
-            </a:r>
-            <a:r>
-              <a:rPr lang="fr-FR" sz="2600" dirty="0" err="1">
-                <a:latin typeface="Avenir Book"/>
-              </a:rPr>
-              <a:t>effect</a:t>
-            </a:r>
-            <a:r>
-              <a:rPr lang="fr-FR" sz="2600" dirty="0">
-                <a:latin typeface="Avenir Book"/>
-              </a:rPr>
-              <a:t> size (x-axis). The </a:t>
-            </a:r>
-            <a:r>
-              <a:rPr lang="fr-FR" sz="2600" dirty="0" err="1">
-                <a:latin typeface="Avenir Book"/>
-              </a:rPr>
-              <a:t>most</a:t>
-            </a:r>
-            <a:r>
-              <a:rPr lang="fr-FR" sz="2600" dirty="0">
-                <a:latin typeface="Avenir Book"/>
-              </a:rPr>
-              <a:t> </a:t>
-            </a:r>
-            <a:r>
-              <a:rPr lang="fr-FR" sz="2600" dirty="0" err="1">
-                <a:latin typeface="Avenir Book"/>
-              </a:rPr>
-              <a:t>significant</a:t>
-            </a:r>
-            <a:r>
-              <a:rPr lang="fr-FR" sz="2600" dirty="0">
-                <a:latin typeface="Avenir Book"/>
-              </a:rPr>
-              <a:t> variables are at the top in the corners.</a:t>
-            </a:r>
-            <a:endParaRPr lang="fr-FR" sz="2600" dirty="0"/>
           </a:p>
         </p:txBody>
       </p:sp>
@@ -5786,8 +5200,8 @@
         </p:nvSpPr>
         <p:spPr>
           <a:xfrm>
-            <a:off x="20106703" y="3189412"/>
-            <a:ext cx="9160615" cy="8894743"/>
+            <a:off x="8159440" y="9287265"/>
+            <a:ext cx="6307674" cy="6832640"/>
           </a:xfrm>
           <a:prstGeom prst="rect">
             <a:avLst/>
@@ -5805,28 +5219,175 @@
               <a:buChar char="•"/>
             </a:pPr>
             <a:r>
-              <a:rPr lang="fr-FR" sz="2600" dirty="0" err="1">
+              <a:rPr lang="en-US" sz="2400" dirty="0">
+                <a:latin typeface="Avenir Book"/>
+              </a:rPr>
+              <a:t>Focused </a:t>
+            </a:r>
+            <a:r>
+              <a:rPr lang="fr-FR" sz="2400" dirty="0" err="1">
                 <a:latin typeface="Avenir Book"/>
               </a:rPr>
               <a:t>Benjamini-Hochberg</a:t>
             </a:r>
             <a:r>
-              <a:rPr lang="fr-FR" sz="2600" dirty="0">
+              <a:rPr lang="fr-FR" sz="2400" dirty="0">
+                <a:latin typeface="Avenir Book"/>
+              </a:rPr>
+              <a:t>:</a:t>
+            </a:r>
+          </a:p>
+          <a:p>
+            <a:pPr marL="285750" indent="-285750">
+              <a:buFont typeface="Arial" panose="020B0604020202020204" pitchFamily="34" charset="0"/>
+              <a:buChar char="•"/>
+            </a:pPr>
+            <a:endParaRPr lang="fr-FR" sz="2400" dirty="0">
+              <a:latin typeface="Avenir Book"/>
+            </a:endParaRPr>
+          </a:p>
+          <a:p>
+            <a:pPr marL="285750" indent="-285750">
+              <a:buFont typeface="Arial" panose="020B0604020202020204" pitchFamily="34" charset="0"/>
+              <a:buChar char="•"/>
+            </a:pPr>
+            <a:endParaRPr lang="fr-FR" sz="2400" dirty="0">
+              <a:latin typeface="Avenir Book"/>
+            </a:endParaRPr>
+          </a:p>
+          <a:p>
+            <a:pPr marL="285750" indent="-285750">
+              <a:buFont typeface="Arial" panose="020B0604020202020204" pitchFamily="34" charset="0"/>
+              <a:buChar char="•"/>
+            </a:pPr>
+            <a:endParaRPr lang="fr-FR" sz="2400" dirty="0">
+              <a:latin typeface="Avenir Book"/>
+            </a:endParaRPr>
+          </a:p>
+          <a:p>
+            <a:pPr marL="285750" indent="-285750">
+              <a:buFont typeface="Arial" panose="020B0604020202020204" pitchFamily="34" charset="0"/>
+              <a:buChar char="•"/>
+            </a:pPr>
+            <a:endParaRPr lang="fr-FR" sz="2400" dirty="0">
+              <a:latin typeface="Avenir Book"/>
+            </a:endParaRPr>
+          </a:p>
+          <a:p>
+            <a:pPr marL="285750" indent="-285750">
+              <a:buFont typeface="Arial" panose="020B0604020202020204" pitchFamily="34" charset="0"/>
+              <a:buChar char="•"/>
+            </a:pPr>
+            <a:endParaRPr lang="fr-FR" sz="2400" dirty="0">
+              <a:latin typeface="Avenir Book"/>
+            </a:endParaRPr>
+          </a:p>
+          <a:p>
+            <a:pPr marL="285750" indent="-285750">
+              <a:buFont typeface="Arial" panose="020B0604020202020204" pitchFamily="34" charset="0"/>
+              <a:buChar char="•"/>
+            </a:pPr>
+            <a:endParaRPr lang="fr-FR" sz="2400" dirty="0">
+              <a:latin typeface="Avenir Book"/>
+            </a:endParaRPr>
+          </a:p>
+          <a:p>
+            <a:pPr marL="285750" indent="-285750">
+              <a:buFont typeface="Arial" panose="020B0604020202020204" pitchFamily="34" charset="0"/>
+              <a:buChar char="•"/>
+            </a:pPr>
+            <a:endParaRPr lang="fr-FR" sz="2400" dirty="0">
+              <a:latin typeface="Avenir Book"/>
+            </a:endParaRPr>
+          </a:p>
+          <a:p>
+            <a:pPr marL="285750" indent="-285750">
+              <a:buFont typeface="Arial" panose="020B0604020202020204" pitchFamily="34" charset="0"/>
+              <a:buChar char="•"/>
+            </a:pPr>
+            <a:endParaRPr lang="fr-FR" sz="2400" dirty="0">
+              <a:latin typeface="Avenir Book"/>
+            </a:endParaRPr>
+          </a:p>
+          <a:p>
+            <a:pPr marL="285750" indent="-285750">
+              <a:buFont typeface="Arial" panose="020B0604020202020204" pitchFamily="34" charset="0"/>
+              <a:buChar char="•"/>
+            </a:pPr>
+            <a:endParaRPr lang="fr-FR" sz="2400" dirty="0">
+              <a:latin typeface="Avenir Book"/>
+            </a:endParaRPr>
+          </a:p>
+          <a:p>
+            <a:pPr marL="285750" indent="-285750">
+              <a:buFont typeface="Arial" panose="020B0604020202020204" pitchFamily="34" charset="0"/>
+              <a:buChar char="•"/>
+            </a:pPr>
+            <a:endParaRPr lang="fr-FR" sz="2400" dirty="0">
+              <a:latin typeface="Avenir Book"/>
+            </a:endParaRPr>
+          </a:p>
+          <a:p>
+            <a:pPr marL="285750" indent="-285750">
+              <a:buFont typeface="Arial" panose="020B0604020202020204" pitchFamily="34" charset="0"/>
+              <a:buChar char="•"/>
+            </a:pPr>
+            <a:endParaRPr lang="fr-FR" sz="2400" dirty="0">
+              <a:latin typeface="Avenir Book"/>
+            </a:endParaRPr>
+          </a:p>
+          <a:p>
+            <a:pPr marL="285750" indent="-285750">
+              <a:buFont typeface="Arial" panose="020B0604020202020204" pitchFamily="34" charset="0"/>
+              <a:buChar char="•"/>
+            </a:pPr>
+            <a:endParaRPr lang="fr-FR" sz="2400" dirty="0">
+              <a:latin typeface="Avenir Book"/>
+            </a:endParaRPr>
+          </a:p>
+          <a:p>
+            <a:pPr marL="285750" indent="-285750">
+              <a:buFont typeface="Arial" panose="020B0604020202020204" pitchFamily="34" charset="0"/>
+              <a:buChar char="•"/>
+            </a:pPr>
+            <a:endParaRPr lang="fr-FR" sz="2400" dirty="0">
+              <a:latin typeface="Avenir Book"/>
+            </a:endParaRPr>
+          </a:p>
+          <a:p>
+            <a:pPr marL="285750" indent="-285750">
+              <a:buFont typeface="Arial" panose="020B0604020202020204" pitchFamily="34" charset="0"/>
+              <a:buChar char="•"/>
+            </a:pPr>
+            <a:r>
+              <a:rPr lang="fr-FR" sz="2400" dirty="0">
                 <a:latin typeface="Avenir Book"/>
               </a:rPr>
               <a:t> </a:t>
             </a:r>
             <a:r>
-              <a:rPr lang="fr-FR" sz="2600" dirty="0" err="1">
-                <a:latin typeface="Avenir Book"/>
-              </a:rPr>
-              <a:t>procedure</a:t>
-            </a:r>
-            <a:r>
-              <a:rPr lang="fr-FR" sz="2600" dirty="0">
-                <a:latin typeface="Avenir Book"/>
-              </a:rPr>
-              <a:t>: </a:t>
+              <a:rPr lang="fr-FR" sz="2400" dirty="0" err="1">
+                <a:latin typeface="Avenir Book"/>
+              </a:rPr>
+              <a:t>Closed</a:t>
+            </a:r>
+            <a:r>
+              <a:rPr lang="fr-FR" sz="2400" dirty="0">
+                <a:latin typeface="Avenir Book"/>
+              </a:rPr>
+              <a:t> </a:t>
+            </a:r>
+            <a:r>
+              <a:rPr lang="fr-FR" sz="2400" dirty="0" err="1">
+                <a:latin typeface="Avenir Book"/>
+              </a:rPr>
+              <a:t>testing</a:t>
+            </a:r>
+            <a:r>
+              <a:rPr lang="fr-FR" sz="2400" dirty="0">
+                <a:latin typeface="Avenir Book"/>
+              </a:rPr>
+              <a:t>:</a:t>
             </a:r>
           </a:p>
           <a:p>
@@ -5856,251 +5417,458 @@
               <a:latin typeface="Avenir Book"/>
             </a:endParaRPr>
           </a:p>
-          <a:p>
-            <a:pPr marL="285750" indent="-285750">
+        </p:txBody>
+      </p:sp>
+      <p:sp>
+        <p:nvSpPr>
+          <p:cNvPr id="40" name="ZoneTexte 39">
+            <a:extLst>
+              <a:ext uri="{FF2B5EF4-FFF2-40B4-BE49-F238E27FC236}">
+                <a16:creationId xmlns:a16="http://schemas.microsoft.com/office/drawing/2014/main" id="{69696D3A-EBF4-4DB1-A6EC-5F28821E8C8E}"/>
+              </a:ext>
+            </a:extLst>
+          </p:cNvPr>
+          <p:cNvSpPr txBox="1"/>
+          <p:nvPr/>
+        </p:nvSpPr>
+        <p:spPr>
+          <a:xfrm>
+            <a:off x="773468" y="2895102"/>
+            <a:ext cx="6383493" cy="15604272"/>
+          </a:xfrm>
+          <a:prstGeom prst="rect">
+            <a:avLst/>
+          </a:prstGeom>
+          <a:noFill/>
+        </p:spPr>
+        <p:txBody>
+          <a:bodyPr wrap="square">
+            <a:spAutoFit/>
+          </a:bodyPr>
+          <a:lstStyle/>
+          <a:p>
+            <a:pPr algn="just"/>
+            <a:r>
+              <a:rPr lang="fr-FR" sz="2400" dirty="0">
+                <a:latin typeface="Avenir Book"/>
+              </a:rPr>
+              <a:t>FDR </a:t>
+            </a:r>
+            <a:r>
+              <a:rPr lang="fr-FR" sz="2400" dirty="0" err="1">
+                <a:latin typeface="Avenir Book"/>
+              </a:rPr>
+              <a:t>Def</a:t>
+            </a:r>
+            <a:endParaRPr lang="fr-FR" sz="2400" dirty="0">
+              <a:latin typeface="Avenir Book"/>
+            </a:endParaRPr>
+          </a:p>
+          <a:p>
+            <a:pPr algn="just"/>
+            <a:endParaRPr lang="fr-FR" sz="2400" dirty="0">
+              <a:latin typeface="Avenir Book"/>
+            </a:endParaRPr>
+          </a:p>
+          <a:p>
+            <a:pPr algn="just"/>
+            <a:endParaRPr lang="fr-FR" sz="2400" dirty="0">
+              <a:latin typeface="Avenir Book"/>
+            </a:endParaRPr>
+          </a:p>
+          <a:p>
+            <a:pPr algn="just"/>
+            <a:endParaRPr lang="fr-FR" sz="2400" dirty="0">
+              <a:latin typeface="Avenir Book"/>
+            </a:endParaRPr>
+          </a:p>
+          <a:p>
+            <a:pPr algn="just"/>
+            <a:endParaRPr lang="fr-FR" sz="2400" dirty="0">
+              <a:latin typeface="Avenir Book"/>
+            </a:endParaRPr>
+          </a:p>
+          <a:p>
+            <a:pPr algn="just"/>
+            <a:endParaRPr lang="fr-FR" sz="2400" dirty="0">
+              <a:latin typeface="Avenir Book"/>
+            </a:endParaRPr>
+          </a:p>
+          <a:p>
+            <a:pPr algn="just"/>
+            <a:r>
+              <a:rPr lang="fr-FR" sz="2400" dirty="0" err="1">
+                <a:latin typeface="Avenir Book"/>
+              </a:rPr>
+              <a:t>Benjamini-Hochberg</a:t>
+            </a:r>
+            <a:r>
+              <a:rPr lang="fr-FR" sz="2400" dirty="0">
+                <a:latin typeface="Avenir Book"/>
+              </a:rPr>
+              <a:t> </a:t>
+            </a:r>
+            <a:r>
+              <a:rPr lang="fr-FR" sz="2400" dirty="0" err="1">
+                <a:latin typeface="Avenir Book"/>
+              </a:rPr>
+              <a:t>method</a:t>
+            </a:r>
+            <a:r>
+              <a:rPr lang="fr-FR" sz="2400" dirty="0">
+                <a:latin typeface="Avenir Book"/>
+              </a:rPr>
+              <a:t>:</a:t>
+            </a:r>
+          </a:p>
+          <a:p>
+            <a:pPr algn="just"/>
+            <a:r>
+              <a:rPr lang="en-US" sz="2400" dirty="0">
+                <a:latin typeface="Avenir Book"/>
+              </a:rPr>
+              <a:t>The </a:t>
+            </a:r>
+            <a:r>
+              <a:rPr lang="en-US" sz="2400" dirty="0" err="1">
+                <a:latin typeface="Avenir Book"/>
+              </a:rPr>
+              <a:t>Benjamini</a:t>
+            </a:r>
+            <a:r>
+              <a:rPr lang="en-US" sz="2400" dirty="0">
+                <a:latin typeface="Avenir Book"/>
+              </a:rPr>
+              <a:t>-Hochberg procedure for controlling the FDR is one of the most widely used procedures for p-value adjustment. It controls the proportion of false positives at an alpha level (usually 0.05). The procedure is done in two steps:</a:t>
+            </a:r>
+          </a:p>
+          <a:p>
+            <a:pPr marL="342900" indent="-342900" algn="just">
               <a:buFont typeface="Arial" panose="020B0604020202020204" pitchFamily="34" charset="0"/>
               <a:buChar char="•"/>
             </a:pPr>
-            <a:endParaRPr lang="fr-FR" sz="2600" dirty="0">
-              <a:latin typeface="Avenir Book"/>
-            </a:endParaRPr>
-          </a:p>
-          <a:p>
-            <a:pPr marL="285750" indent="-285750">
+            <a:r>
+              <a:rPr lang="en-US" sz="2400" dirty="0">
+                <a:latin typeface="Avenir Book"/>
+              </a:rPr>
+              <a:t>it sorts the p-values in ascending order </a:t>
+            </a:r>
+          </a:p>
+          <a:p>
+            <a:pPr marL="342900" indent="-342900" algn="just">
               <a:buFont typeface="Arial" panose="020B0604020202020204" pitchFamily="34" charset="0"/>
               <a:buChar char="•"/>
             </a:pPr>
-            <a:endParaRPr lang="fr-FR" sz="2600" dirty="0">
-              <a:latin typeface="Avenir Book"/>
-            </a:endParaRPr>
-          </a:p>
-          <a:p>
-            <a:pPr marL="285750" indent="-285750">
+            <a:r>
+              <a:rPr lang="en-US" sz="2400" dirty="0">
+                <a:latin typeface="Avenir Book"/>
+              </a:rPr>
+              <a:t>it divides by the rank of the p-value.</a:t>
+            </a:r>
+          </a:p>
+          <a:p>
+            <a:pPr marL="342900" indent="-342900" algn="just">
               <a:buFont typeface="Arial" panose="020B0604020202020204" pitchFamily="34" charset="0"/>
               <a:buChar char="•"/>
             </a:pPr>
-            <a:r>
-              <a:rPr lang="fr-FR" sz="2600" dirty="0">
-                <a:latin typeface="Avenir Book"/>
-              </a:rPr>
-              <a:t>Double </a:t>
-            </a:r>
-            <a:r>
-              <a:rPr lang="fr-FR" sz="2600" dirty="0" err="1">
-                <a:latin typeface="Avenir Book"/>
-              </a:rPr>
-              <a:t>filter</a:t>
-            </a:r>
-            <a:r>
-              <a:rPr lang="fr-FR" sz="2600" dirty="0">
-                <a:latin typeface="Avenir Book"/>
-              </a:rPr>
-              <a:t> </a:t>
-            </a:r>
-            <a:r>
-              <a:rPr lang="fr-FR" sz="2600" dirty="0" err="1">
-                <a:latin typeface="Avenir Book"/>
-              </a:rPr>
-              <a:t>procedure</a:t>
-            </a:r>
-            <a:r>
-              <a:rPr lang="fr-FR" sz="2600" dirty="0">
-                <a:latin typeface="Avenir Book"/>
-              </a:rPr>
-              <a:t> (</a:t>
-            </a:r>
-            <a:r>
-              <a:rPr lang="fr-FR" sz="2600" dirty="0" err="1">
-                <a:latin typeface="Avenir Book"/>
-              </a:rPr>
-              <a:t>Volcano</a:t>
-            </a:r>
-            <a:r>
-              <a:rPr lang="fr-FR" sz="2600" dirty="0">
-                <a:latin typeface="Avenir Book"/>
-              </a:rPr>
-              <a:t> plot):</a:t>
-            </a:r>
-          </a:p>
-          <a:p>
-            <a:pPr marL="285750" indent="-285750">
+            <a:endParaRPr lang="en-US" sz="2400" dirty="0">
+              <a:latin typeface="Avenir Book"/>
+            </a:endParaRPr>
+          </a:p>
+          <a:p>
+            <a:pPr marL="342900" indent="-342900" algn="just">
               <a:buFont typeface="Arial" panose="020B0604020202020204" pitchFamily="34" charset="0"/>
               <a:buChar char="•"/>
             </a:pPr>
-            <a:endParaRPr lang="fr-FR" sz="2600" dirty="0">
+            <a:endParaRPr lang="en-US" sz="2400" dirty="0">
               <a:latin typeface="Avenir Book"/>
             </a:endParaRPr>
           </a:p>
           <a:p>
-            <a:pPr marL="285750" indent="-285750">
+            <a:pPr marL="342900" indent="-342900" algn="just">
               <a:buFont typeface="Arial" panose="020B0604020202020204" pitchFamily="34" charset="0"/>
               <a:buChar char="•"/>
             </a:pPr>
-            <a:endParaRPr lang="fr-FR" sz="2600" dirty="0">
+            <a:endParaRPr lang="en-US" sz="2400" dirty="0">
               <a:latin typeface="Avenir Book"/>
             </a:endParaRPr>
           </a:p>
           <a:p>
-            <a:pPr marL="285750" indent="-285750">
+            <a:pPr marL="342900" indent="-342900" algn="just">
               <a:buFont typeface="Arial" panose="020B0604020202020204" pitchFamily="34" charset="0"/>
               <a:buChar char="•"/>
             </a:pPr>
-            <a:endParaRPr lang="fr-FR" sz="2600" dirty="0">
+            <a:endParaRPr lang="en-US" sz="2400" dirty="0">
               <a:latin typeface="Avenir Book"/>
             </a:endParaRPr>
           </a:p>
           <a:p>
-            <a:pPr marL="285750" indent="-285750">
-              <a:buFont typeface="Arial" panose="020B0604020202020204" pitchFamily="34" charset="0"/>
-              <a:buChar char="•"/>
-            </a:pPr>
-            <a:endParaRPr lang="fr-FR" sz="2600" dirty="0">
+            <a:pPr algn="just"/>
+            <a:r>
+              <a:rPr lang="en-US" sz="2400" dirty="0">
+                <a:latin typeface="Avenir Book"/>
+              </a:rPr>
+              <a:t>When there are too many variables selected, the double filtering procedure can be applied, which keeps only those p-values that have a large size effect. This double filtering procedure is represented by a Volcano plot.</a:t>
+            </a:r>
+          </a:p>
+          <a:p>
+            <a:pPr algn="just"/>
+            <a:endParaRPr lang="en-US" sz="2400" dirty="0">
               <a:latin typeface="Avenir Book"/>
             </a:endParaRPr>
           </a:p>
           <a:p>
-            <a:pPr marL="285750" indent="-285750">
-              <a:buFont typeface="Arial" panose="020B0604020202020204" pitchFamily="34" charset="0"/>
-              <a:buChar char="•"/>
-            </a:pPr>
-            <a:endParaRPr lang="fr-FR" sz="2600" dirty="0">
+            <a:pPr algn="just"/>
+            <a:endParaRPr lang="en-US" sz="2400" dirty="0">
               <a:latin typeface="Avenir Book"/>
             </a:endParaRPr>
           </a:p>
           <a:p>
-            <a:pPr marL="285750" indent="-285750">
-              <a:buFont typeface="Arial" panose="020B0604020202020204" pitchFamily="34" charset="0"/>
-              <a:buChar char="•"/>
-            </a:pPr>
-            <a:r>
-              <a:rPr lang="en-US" sz="2600" dirty="0">
-                <a:latin typeface="Avenir Book"/>
-              </a:rPr>
-              <a:t>Focused </a:t>
-            </a:r>
-            <a:r>
-              <a:rPr lang="fr-FR" sz="2600" dirty="0" err="1">
-                <a:latin typeface="Avenir Book"/>
-              </a:rPr>
-              <a:t>Benjamini-Hochberg</a:t>
-            </a:r>
-            <a:r>
-              <a:rPr lang="fr-FR" sz="2600" dirty="0">
-                <a:latin typeface="Avenir Book"/>
-              </a:rPr>
-              <a:t>:</a:t>
-            </a:r>
-          </a:p>
-          <a:p>
-            <a:pPr marL="285750" indent="-285750">
-              <a:buFont typeface="Arial" panose="020B0604020202020204" pitchFamily="34" charset="0"/>
-              <a:buChar char="•"/>
-            </a:pPr>
-            <a:endParaRPr lang="fr-FR" sz="2600" dirty="0">
+            <a:pPr algn="just"/>
+            <a:endParaRPr lang="en-US" sz="2400" dirty="0">
               <a:latin typeface="Avenir Book"/>
             </a:endParaRPr>
           </a:p>
           <a:p>
-            <a:pPr marL="285750" indent="-285750">
-              <a:buFont typeface="Arial" panose="020B0604020202020204" pitchFamily="34" charset="0"/>
-              <a:buChar char="•"/>
-            </a:pPr>
-            <a:endParaRPr lang="fr-FR" sz="2600" dirty="0">
+            <a:pPr algn="just"/>
+            <a:endParaRPr lang="en-US" sz="2400" dirty="0">
               <a:latin typeface="Avenir Book"/>
             </a:endParaRPr>
           </a:p>
           <a:p>
-            <a:pPr marL="285750" indent="-285750">
-              <a:buFont typeface="Arial" panose="020B0604020202020204" pitchFamily="34" charset="0"/>
-              <a:buChar char="•"/>
-            </a:pPr>
-            <a:endParaRPr lang="fr-FR" sz="2600" dirty="0">
+            <a:pPr algn="just"/>
+            <a:endParaRPr lang="en-US" sz="2400" dirty="0">
               <a:latin typeface="Avenir Book"/>
             </a:endParaRPr>
           </a:p>
           <a:p>
-            <a:pPr marL="285750" indent="-285750">
-              <a:buFont typeface="Arial" panose="020B0604020202020204" pitchFamily="34" charset="0"/>
-              <a:buChar char="•"/>
-            </a:pPr>
-            <a:endParaRPr lang="fr-FR" sz="2600" dirty="0">
+            <a:pPr algn="just"/>
+            <a:endParaRPr lang="en-US" sz="2400" dirty="0">
               <a:latin typeface="Avenir Book"/>
             </a:endParaRPr>
           </a:p>
           <a:p>
-            <a:pPr marL="285750" indent="-285750">
-              <a:buFont typeface="Arial" panose="020B0604020202020204" pitchFamily="34" charset="0"/>
-              <a:buChar char="•"/>
-            </a:pPr>
-            <a:endParaRPr lang="fr-FR" sz="2600" dirty="0">
+            <a:pPr algn="just"/>
+            <a:endParaRPr lang="en-US" sz="2400" dirty="0">
               <a:latin typeface="Avenir Book"/>
             </a:endParaRPr>
           </a:p>
           <a:p>
-            <a:pPr marL="285750" indent="-285750">
-              <a:buFont typeface="Arial" panose="020B0604020202020204" pitchFamily="34" charset="0"/>
-              <a:buChar char="•"/>
-            </a:pPr>
-            <a:r>
-              <a:rPr lang="fr-FR" sz="2600" dirty="0">
-                <a:latin typeface="Avenir Book"/>
-              </a:rPr>
-              <a:t> </a:t>
-            </a:r>
-            <a:r>
-              <a:rPr lang="fr-FR" sz="2600" dirty="0" err="1">
-                <a:latin typeface="Avenir Book"/>
-              </a:rPr>
-              <a:t>Closed</a:t>
-            </a:r>
-            <a:r>
-              <a:rPr lang="fr-FR" sz="2600" dirty="0">
-                <a:latin typeface="Avenir Book"/>
-              </a:rPr>
-              <a:t> </a:t>
-            </a:r>
-            <a:r>
-              <a:rPr lang="fr-FR" sz="2600" dirty="0" err="1">
-                <a:latin typeface="Avenir Book"/>
-              </a:rPr>
-              <a:t>testing</a:t>
-            </a:r>
-            <a:r>
-              <a:rPr lang="fr-FR" sz="2600" dirty="0">
-                <a:latin typeface="Avenir Book"/>
-              </a:rPr>
-              <a:t>:</a:t>
-            </a:r>
-          </a:p>
-          <a:p>
-            <a:pPr marL="285750" indent="-285750">
-              <a:buFont typeface="Arial" panose="020B0604020202020204" pitchFamily="34" charset="0"/>
-              <a:buChar char="•"/>
-            </a:pPr>
-            <a:endParaRPr lang="fr-FR" sz="2600" dirty="0">
+            <a:pPr algn="just"/>
+            <a:endParaRPr lang="en-US" sz="2400" dirty="0">
               <a:latin typeface="Avenir Book"/>
             </a:endParaRPr>
           </a:p>
           <a:p>
-            <a:pPr marL="285750" indent="-285750">
-              <a:buFont typeface="Arial" panose="020B0604020202020204" pitchFamily="34" charset="0"/>
-              <a:buChar char="•"/>
-            </a:pPr>
-            <a:endParaRPr lang="fr-FR" sz="2600" dirty="0">
+            <a:pPr algn="just"/>
+            <a:endParaRPr lang="en-US" sz="2400" dirty="0">
               <a:latin typeface="Avenir Book"/>
             </a:endParaRPr>
           </a:p>
           <a:p>
-            <a:pPr marL="285750" indent="-285750">
-              <a:buFont typeface="Arial" panose="020B0604020202020204" pitchFamily="34" charset="0"/>
-              <a:buChar char="•"/>
-            </a:pPr>
-            <a:endParaRPr lang="fr-FR" sz="2600" dirty="0">
+            <a:pPr algn="just"/>
+            <a:endParaRPr lang="en-US" sz="2400" dirty="0">
               <a:latin typeface="Avenir Book"/>
             </a:endParaRPr>
           </a:p>
-        </p:txBody>
-      </p:sp>
+          <a:p>
+            <a:pPr algn="just"/>
+            <a:endParaRPr lang="en-US" sz="2400" dirty="0">
+              <a:latin typeface="Avenir Book"/>
+            </a:endParaRPr>
+          </a:p>
+          <a:p>
+            <a:pPr algn="just"/>
+            <a:endParaRPr lang="en-US" sz="2400" dirty="0">
+              <a:latin typeface="Avenir Book"/>
+            </a:endParaRPr>
+          </a:p>
+          <a:p>
+            <a:pPr algn="just"/>
+            <a:endParaRPr lang="en-US" sz="2400" dirty="0">
+              <a:latin typeface="Avenir Book"/>
+            </a:endParaRPr>
+          </a:p>
+          <a:p>
+            <a:pPr algn="just"/>
+            <a:endParaRPr lang="en-US" sz="2400" dirty="0">
+              <a:latin typeface="Avenir Book"/>
+            </a:endParaRPr>
+          </a:p>
+          <a:p>
+            <a:pPr algn="just"/>
+            <a:r>
+              <a:rPr lang="fr-FR" sz="2400" dirty="0">
+                <a:latin typeface="Avenir Book"/>
+              </a:rPr>
+              <a:t>The </a:t>
+            </a:r>
+            <a:r>
+              <a:rPr lang="fr-FR" sz="2400" dirty="0" err="1">
+                <a:latin typeface="Avenir Book"/>
+              </a:rPr>
+              <a:t>Volcano</a:t>
+            </a:r>
+            <a:r>
+              <a:rPr lang="fr-FR" sz="2400" dirty="0">
+                <a:latin typeface="Avenir Book"/>
+              </a:rPr>
+              <a:t> plot </a:t>
+            </a:r>
+            <a:r>
+              <a:rPr lang="fr-FR" sz="2400" dirty="0" err="1">
+                <a:latin typeface="Avenir Book"/>
+              </a:rPr>
+              <a:t>is</a:t>
+            </a:r>
+            <a:r>
+              <a:rPr lang="fr-FR" sz="2400" dirty="0">
+                <a:latin typeface="Avenir Book"/>
+              </a:rPr>
+              <a:t> a </a:t>
+            </a:r>
+            <a:r>
+              <a:rPr lang="fr-FR" sz="2400" dirty="0" err="1">
+                <a:latin typeface="Avenir Book"/>
+              </a:rPr>
+              <a:t>scatter</a:t>
+            </a:r>
+            <a:r>
+              <a:rPr lang="fr-FR" sz="2400" dirty="0">
+                <a:latin typeface="Avenir Book"/>
+              </a:rPr>
+              <a:t> plot of </a:t>
+            </a:r>
+            <a:r>
+              <a:rPr lang="en-US" sz="2400" dirty="0">
+                <a:latin typeface="Avenir Book"/>
+              </a:rPr>
+              <a:t>-log10 of p-values among significant p-values after </a:t>
+            </a:r>
+            <a:r>
+              <a:rPr lang="fr-FR" sz="2400" dirty="0" err="1">
+                <a:latin typeface="Avenir Book"/>
+              </a:rPr>
+              <a:t>Benjamini-Hochberg</a:t>
+            </a:r>
+            <a:r>
+              <a:rPr lang="fr-FR" sz="2400" dirty="0">
+                <a:latin typeface="Avenir Book"/>
+              </a:rPr>
+              <a:t> </a:t>
+            </a:r>
+            <a:r>
+              <a:rPr lang="en-US" sz="2400" dirty="0">
+                <a:latin typeface="Avenir Book"/>
+              </a:rPr>
+              <a:t>correction</a:t>
+            </a:r>
+            <a:r>
+              <a:rPr lang="fr-FR" sz="2400" dirty="0">
+                <a:latin typeface="Avenir Book"/>
+              </a:rPr>
+              <a:t> (y-axis) versus </a:t>
+            </a:r>
+            <a:r>
+              <a:rPr lang="fr-FR" sz="2400" dirty="0" err="1">
+                <a:latin typeface="Avenir Book"/>
+              </a:rPr>
+              <a:t>effect</a:t>
+            </a:r>
+            <a:r>
+              <a:rPr lang="fr-FR" sz="2400" dirty="0">
+                <a:latin typeface="Avenir Book"/>
+              </a:rPr>
+              <a:t> size (x-axis). The </a:t>
+            </a:r>
+            <a:r>
+              <a:rPr lang="fr-FR" sz="2400" dirty="0" err="1">
+                <a:latin typeface="Avenir Book"/>
+              </a:rPr>
+              <a:t>most</a:t>
+            </a:r>
+            <a:r>
+              <a:rPr lang="fr-FR" sz="2400" dirty="0">
+                <a:latin typeface="Avenir Book"/>
+              </a:rPr>
+              <a:t> </a:t>
+            </a:r>
+            <a:r>
+              <a:rPr lang="fr-FR" sz="2400" dirty="0" err="1">
+                <a:latin typeface="Avenir Book"/>
+              </a:rPr>
+              <a:t>significant</a:t>
+            </a:r>
+            <a:r>
+              <a:rPr lang="fr-FR" sz="2400" dirty="0">
+                <a:latin typeface="Avenir Book"/>
+              </a:rPr>
+              <a:t> variables are at the top in the corners.</a:t>
+            </a:r>
+            <a:endParaRPr lang="fr-FR" sz="2400" dirty="0"/>
+          </a:p>
+        </p:txBody>
+      </p:sp>
+      <p:pic>
+        <p:nvPicPr>
+          <p:cNvPr id="3" name="Image 2">
+            <a:extLst>
+              <a:ext uri="{FF2B5EF4-FFF2-40B4-BE49-F238E27FC236}">
+                <a16:creationId xmlns:a16="http://schemas.microsoft.com/office/drawing/2014/main" id="{763EFD43-5B1A-46E2-ACD4-EA71DFE492D4}"/>
+              </a:ext>
+            </a:extLst>
+          </p:cNvPr>
+          <p:cNvPicPr>
+            <a:picLocks noChangeAspect="1"/>
+          </p:cNvPicPr>
+          <p:nvPr/>
+        </p:nvPicPr>
+        <p:blipFill>
+          <a:blip r:embed="rId5"/>
+          <a:stretch>
+            <a:fillRect/>
+          </a:stretch>
+        </p:blipFill>
+        <p:spPr>
+          <a:xfrm>
+            <a:off x="1459872" y="8243992"/>
+            <a:ext cx="4305901" cy="1009791"/>
+          </a:xfrm>
+          <a:prstGeom prst="rect">
+            <a:avLst/>
+          </a:prstGeom>
+        </p:spPr>
+      </p:pic>
+      <p:pic>
+        <p:nvPicPr>
+          <p:cNvPr id="10" name="Image 9">
+            <a:extLst>
+              <a:ext uri="{FF2B5EF4-FFF2-40B4-BE49-F238E27FC236}">
+                <a16:creationId xmlns:a16="http://schemas.microsoft.com/office/drawing/2014/main" id="{6995786E-6C96-49D3-8B18-67049594128B}"/>
+              </a:ext>
+            </a:extLst>
+          </p:cNvPr>
+          <p:cNvPicPr>
+            <a:picLocks noChangeAspect="1"/>
+          </p:cNvPicPr>
+          <p:nvPr/>
+        </p:nvPicPr>
+        <p:blipFill>
+          <a:blip r:embed="rId6"/>
+          <a:stretch>
+            <a:fillRect/>
+          </a:stretch>
+        </p:blipFill>
+        <p:spPr>
+          <a:xfrm>
+            <a:off x="1377820" y="11658060"/>
+            <a:ext cx="4584214" cy="3881300"/>
+          </a:xfrm>
+          <a:prstGeom prst="rect">
+            <a:avLst/>
+          </a:prstGeom>
+        </p:spPr>
+      </p:pic>
     </p:spTree>
     <p:extLst>
       <p:ext uri="{BB962C8B-B14F-4D97-AF65-F5344CB8AC3E}">

--- a/Poster Final/poster celia.pptx
+++ b/Poster Final/poster celia.pptx
@@ -4145,8 +4145,8 @@
         </p:nvSpPr>
         <p:spPr>
           <a:xfrm>
-            <a:off x="26514797" y="11061488"/>
-            <a:ext cx="2181994" cy="830997"/>
+            <a:off x="22789060" y="7270308"/>
+            <a:ext cx="6079854" cy="461665"/>
           </a:xfrm>
           <a:prstGeom prst="rect">
             <a:avLst/>
@@ -4171,7 +4171,7 @@
                 <a:ea typeface="Avenir Book" charset="0"/>
                 <a:cs typeface="Avenir Book" charset="0"/>
               </a:rPr>
-              <a:t>FIGURE 2 : Volcano plot</a:t>
+              <a:t>FIGURE 2 : Volcano plot of the real case study</a:t>
             </a:r>
           </a:p>
         </p:txBody>
@@ -4183,8 +4183,8 @@
           <p:nvPr/>
         </p:nvSpPr>
         <p:spPr>
-          <a:xfrm>
-            <a:off x="26046418" y="11052595"/>
+          <a:xfrm rot="5400000">
+            <a:off x="22286139" y="7261742"/>
             <a:ext cx="1497965" cy="492122"/>
           </a:xfrm>
           <a:prstGeom prst="rect">
@@ -4315,7 +4315,7 @@
         </p:blipFill>
         <p:spPr>
           <a:xfrm>
-            <a:off x="18923589" y="10378745"/>
+            <a:off x="22427646" y="3065172"/>
             <a:ext cx="7185847" cy="3542622"/>
           </a:xfrm>
           <a:prstGeom prst="rect">
@@ -5608,7 +5608,7 @@
               <a:rPr lang="en-US" sz="2400" dirty="0">
                 <a:latin typeface="Avenir Book"/>
               </a:rPr>
-              <a:t>When there are too many variables selected, the double filtering procedure can be applied, which keeps only those p-values that have a large size effect. This double filtering procedure is represented by a Volcano plot.</a:t>
+              <a:t>When there are too many variables selected, the double filtering procedure can be applied, which keeps only those p-values that have a large effect size. This double filtering procedure is represented by a Volcano plot.</a:t>
             </a:r>
           </a:p>
           <a:p>
@@ -5869,6 +5869,92 @@
           </a:prstGeom>
         </p:spPr>
       </p:pic>
+      <p:sp>
+        <p:nvSpPr>
+          <p:cNvPr id="33" name="ZoneTexte 32">
+            <a:extLst>
+              <a:ext uri="{FF2B5EF4-FFF2-40B4-BE49-F238E27FC236}">
+                <a16:creationId xmlns:a16="http://schemas.microsoft.com/office/drawing/2014/main" id="{F7C61CB4-222E-4FC9-B885-986B784DB679}"/>
+              </a:ext>
+            </a:extLst>
+          </p:cNvPr>
+          <p:cNvSpPr txBox="1"/>
+          <p:nvPr/>
+        </p:nvSpPr>
+        <p:spPr>
+          <a:xfrm>
+            <a:off x="15512143" y="3013178"/>
+            <a:ext cx="6692397" cy="7109639"/>
+          </a:xfrm>
+          <a:prstGeom prst="rect">
+            <a:avLst/>
+          </a:prstGeom>
+          <a:noFill/>
+        </p:spPr>
+        <p:txBody>
+          <a:bodyPr wrap="square">
+            <a:spAutoFit/>
+          </a:bodyPr>
+          <a:lstStyle/>
+          <a:p>
+            <a:pPr algn="just"/>
+            <a:r>
+              <a:rPr lang="en-US" sz="2400" dirty="0">
+                <a:latin typeface="Avenir Book"/>
+              </a:rPr>
+              <a:t>In the real case study, the database contains 49 individuals and 58037 genes. Authors use a resampling method with 6 individuals for the test sample and 37 individuals for the validation sample. If among the 37 individuals there are significant genes for BH (adjusted P-value for BH &lt;0.05) then they are considered differentially expressed. </a:t>
+            </a:r>
+          </a:p>
+          <a:p>
+            <a:pPr marL="342900" indent="-342900" algn="just">
+              <a:buFont typeface="Arial" panose="020B0604020202020204" pitchFamily="34" charset="0"/>
+              <a:buChar char="•"/>
+            </a:pPr>
+            <a:r>
+              <a:rPr lang="en-US" sz="2400" dirty="0">
+                <a:latin typeface="Avenir Book"/>
+              </a:rPr>
+              <a:t>If differentially expressed gene in the validation sample and test → true positive (TP); </a:t>
+            </a:r>
+          </a:p>
+          <a:p>
+            <a:pPr marL="342900" indent="-342900" algn="just">
+              <a:buFont typeface="Arial" panose="020B0604020202020204" pitchFamily="34" charset="0"/>
+              <a:buChar char="•"/>
+            </a:pPr>
+            <a:r>
+              <a:rPr lang="en-US" sz="2400" dirty="0">
+                <a:latin typeface="Avenir Book"/>
+              </a:rPr>
+              <a:t>If gene differentially expressed in the validation sample and not differentially expressed in the test sample (or vice versa) → false positive (FP); </a:t>
+            </a:r>
+          </a:p>
+          <a:p>
+            <a:pPr marL="342900" indent="-342900" algn="just">
+              <a:buFont typeface="Arial" panose="020B0604020202020204" pitchFamily="34" charset="0"/>
+              <a:buChar char="•"/>
+            </a:pPr>
+            <a:r>
+              <a:rPr lang="en-US" sz="2400" dirty="0">
+                <a:latin typeface="Avenir Book"/>
+              </a:rPr>
+              <a:t>If gene not differentially expressed in validation sample and test → true negative (TN).</a:t>
+            </a:r>
+          </a:p>
+          <a:p>
+            <a:pPr algn="just"/>
+            <a:r>
+              <a:rPr lang="en-US" sz="2400" dirty="0">
+                <a:latin typeface="Avenir Book"/>
+              </a:rPr>
+              <a:t>17% of the genes selected by the volcano plot in the test sample were not significant in the validation. Filtering the results may lead to FDP inflation and that a large effect size does not necessarily imply that the result is a true positive. </a:t>
+            </a:r>
+            <a:endParaRPr lang="fr-FR" sz="2400" dirty="0">
+              <a:latin typeface="Avenir Book"/>
+            </a:endParaRPr>
+          </a:p>
+        </p:txBody>
+      </p:sp>
     </p:spTree>
     <p:extLst>
       <p:ext uri="{BB962C8B-B14F-4D97-AF65-F5344CB8AC3E}">
